--- a/doc/paper/image/overview/arch.pptx
+++ b/doc/paper/image/overview/arch.pptx
@@ -3153,7 +3153,7 @@
         <p:spPr>
           <a:xfrm>
             <a:off x="1248905" y="4974650"/>
-            <a:ext cx="13867263" cy="2031228"/>
+            <a:ext cx="13867263" cy="1846861"/>
           </a:xfrm>
           <a:prstGeom prst="rect">
             <a:avLst/>

--- a/doc/paper/image/overview/arch.pptx
+++ b/doc/paper/image/overview/arch.pptx
@@ -4379,8 +4379,8 @@
           <a:p>
             <a:pPr algn="ctr"/>
             <a:r>
-              <a:rPr lang="en-US" sz="2800" dirty="0" smtClean="0"/>
-              <a:t>Updates</a:t>
+              <a:rPr lang="en-US" sz="2800" smtClean="0"/>
+              <a:t>Update</a:t>
             </a:r>
             <a:endParaRPr lang="en-US" sz="2800" dirty="0"/>
           </a:p>

--- a/doc/paper/image/overview/arch.pptx
+++ b/doc/paper/image/overview/arch.pptx
@@ -288,7 +288,7 @@
           <a:p>
             <a:fld id="{7EFD3CFC-761F-2644-A71A-F1A41A0D2BAE}" type="datetimeFigureOut">
               <a:rPr lang="en-US" smtClean="0"/>
-              <a:t>3/19/15</a:t>
+              <a:t>3/20/15</a:t>
             </a:fld>
             <a:endParaRPr lang="en-US"/>
           </a:p>
@@ -458,7 +458,7 @@
           <a:p>
             <a:fld id="{7EFD3CFC-761F-2644-A71A-F1A41A0D2BAE}" type="datetimeFigureOut">
               <a:rPr lang="en-US" smtClean="0"/>
-              <a:t>3/19/15</a:t>
+              <a:t>3/20/15</a:t>
             </a:fld>
             <a:endParaRPr lang="en-US"/>
           </a:p>
@@ -638,7 +638,7 @@
           <a:p>
             <a:fld id="{7EFD3CFC-761F-2644-A71A-F1A41A0D2BAE}" type="datetimeFigureOut">
               <a:rPr lang="en-US" smtClean="0"/>
-              <a:t>3/19/15</a:t>
+              <a:t>3/20/15</a:t>
             </a:fld>
             <a:endParaRPr lang="en-US"/>
           </a:p>
@@ -808,7 +808,7 @@
           <a:p>
             <a:fld id="{7EFD3CFC-761F-2644-A71A-F1A41A0D2BAE}" type="datetimeFigureOut">
               <a:rPr lang="en-US" smtClean="0"/>
-              <a:t>3/19/15</a:t>
+              <a:t>3/20/15</a:t>
             </a:fld>
             <a:endParaRPr lang="en-US"/>
           </a:p>
@@ -1054,7 +1054,7 @@
           <a:p>
             <a:fld id="{7EFD3CFC-761F-2644-A71A-F1A41A0D2BAE}" type="datetimeFigureOut">
               <a:rPr lang="en-US" smtClean="0"/>
-              <a:t>3/19/15</a:t>
+              <a:t>3/20/15</a:t>
             </a:fld>
             <a:endParaRPr lang="en-US"/>
           </a:p>
@@ -1342,7 +1342,7 @@
           <a:p>
             <a:fld id="{7EFD3CFC-761F-2644-A71A-F1A41A0D2BAE}" type="datetimeFigureOut">
               <a:rPr lang="en-US" smtClean="0"/>
-              <a:t>3/19/15</a:t>
+              <a:t>3/20/15</a:t>
             </a:fld>
             <a:endParaRPr lang="en-US"/>
           </a:p>
@@ -1769,7 +1769,7 @@
           <a:p>
             <a:fld id="{7EFD3CFC-761F-2644-A71A-F1A41A0D2BAE}" type="datetimeFigureOut">
               <a:rPr lang="en-US" smtClean="0"/>
-              <a:t>3/19/15</a:t>
+              <a:t>3/20/15</a:t>
             </a:fld>
             <a:endParaRPr lang="en-US"/>
           </a:p>
@@ -1887,7 +1887,7 @@
           <a:p>
             <a:fld id="{7EFD3CFC-761F-2644-A71A-F1A41A0D2BAE}" type="datetimeFigureOut">
               <a:rPr lang="en-US" smtClean="0"/>
-              <a:t>3/19/15</a:t>
+              <a:t>3/20/15</a:t>
             </a:fld>
             <a:endParaRPr lang="en-US"/>
           </a:p>
@@ -1982,7 +1982,7 @@
           <a:p>
             <a:fld id="{7EFD3CFC-761F-2644-A71A-F1A41A0D2BAE}" type="datetimeFigureOut">
               <a:rPr lang="en-US" smtClean="0"/>
-              <a:t>3/19/15</a:t>
+              <a:t>3/20/15</a:t>
             </a:fld>
             <a:endParaRPr lang="en-US"/>
           </a:p>
@@ -2259,7 +2259,7 @@
           <a:p>
             <a:fld id="{7EFD3CFC-761F-2644-A71A-F1A41A0D2BAE}" type="datetimeFigureOut">
               <a:rPr lang="en-US" smtClean="0"/>
-              <a:t>3/19/15</a:t>
+              <a:t>3/20/15</a:t>
             </a:fld>
             <a:endParaRPr lang="en-US"/>
           </a:p>
@@ -2512,7 +2512,7 @@
           <a:p>
             <a:fld id="{7EFD3CFC-761F-2644-A71A-F1A41A0D2BAE}" type="datetimeFigureOut">
               <a:rPr lang="en-US" smtClean="0"/>
-              <a:t>3/19/15</a:t>
+              <a:t>3/20/15</a:t>
             </a:fld>
             <a:endParaRPr lang="en-US"/>
           </a:p>
@@ -2725,7 +2725,7 @@
           <a:p>
             <a:fld id="{7EFD3CFC-761F-2644-A71A-F1A41A0D2BAE}" type="datetimeFigureOut">
               <a:rPr lang="en-US" smtClean="0"/>
-              <a:t>3/19/15</a:t>
+              <a:t>3/20/15</a:t>
             </a:fld>
             <a:endParaRPr lang="en-US"/>
           </a:p>
@@ -3244,7 +3244,7 @@
         </p:nvSpPr>
         <p:spPr>
           <a:xfrm>
-            <a:off x="6252608" y="1412489"/>
+            <a:off x="6252608" y="1555884"/>
             <a:ext cx="2904895" cy="1724193"/>
           </a:xfrm>
           <a:prstGeom prst="rect">
@@ -3290,7 +3290,7 @@
         </p:nvSpPr>
         <p:spPr>
           <a:xfrm>
-            <a:off x="6405008" y="1564889"/>
+            <a:off x="6405008" y="1708284"/>
             <a:ext cx="2904895" cy="1724193"/>
           </a:xfrm>
           <a:prstGeom prst="rect">
@@ -3336,7 +3336,7 @@
         </p:nvSpPr>
         <p:spPr>
           <a:xfrm>
-            <a:off x="6557408" y="1717289"/>
+            <a:off x="6557408" y="1860684"/>
             <a:ext cx="2904895" cy="1724193"/>
           </a:xfrm>
           <a:prstGeom prst="rect">
@@ -3382,7 +3382,7 @@
         </p:nvSpPr>
         <p:spPr>
           <a:xfrm>
-            <a:off x="6557408" y="2090242"/>
+            <a:off x="6557408" y="2233637"/>
             <a:ext cx="2904895" cy="1046440"/>
           </a:xfrm>
           <a:prstGeom prst="rect">
@@ -3613,7 +3613,7 @@
         </p:nvSpPr>
         <p:spPr>
           <a:xfrm>
-            <a:off x="9462303" y="2161474"/>
+            <a:off x="9462303" y="2304869"/>
             <a:ext cx="1733724" cy="831813"/>
           </a:xfrm>
           <a:prstGeom prst="leftRightArrow">
@@ -3682,7 +3682,7 @@
         </p:nvSpPr>
         <p:spPr>
           <a:xfrm>
-            <a:off x="1397660" y="1464941"/>
+            <a:off x="1397660" y="1608336"/>
             <a:ext cx="2904895" cy="1724193"/>
           </a:xfrm>
           <a:prstGeom prst="rect">
@@ -3728,7 +3728,7 @@
         </p:nvSpPr>
         <p:spPr>
           <a:xfrm>
-            <a:off x="1550060" y="1617341"/>
+            <a:off x="1550060" y="1760736"/>
             <a:ext cx="2904895" cy="1724193"/>
           </a:xfrm>
           <a:prstGeom prst="rect">
@@ -3774,7 +3774,7 @@
         </p:nvSpPr>
         <p:spPr>
           <a:xfrm>
-            <a:off x="1702460" y="1769741"/>
+            <a:off x="1702460" y="1913136"/>
             <a:ext cx="2904895" cy="1724193"/>
           </a:xfrm>
           <a:prstGeom prst="rect">
@@ -3820,7 +3820,7 @@
         </p:nvSpPr>
         <p:spPr>
           <a:xfrm>
-            <a:off x="1702460" y="2152469"/>
+            <a:off x="1702460" y="2295864"/>
             <a:ext cx="2904895" cy="1046440"/>
           </a:xfrm>
           <a:prstGeom prst="rect">
@@ -3889,7 +3889,7 @@
         </p:nvSpPr>
         <p:spPr>
           <a:xfrm>
-            <a:off x="6985392" y="5345235"/>
+            <a:off x="7763822" y="5345235"/>
             <a:ext cx="6329188" cy="1107546"/>
           </a:xfrm>
           <a:prstGeom prst="roundRect">
@@ -3937,7 +3937,7 @@
         </p:nvCxnSpPr>
         <p:spPr>
           <a:xfrm>
-            <a:off x="10159888" y="4015063"/>
+            <a:off x="10364737" y="3985013"/>
             <a:ext cx="0" cy="1330172"/>
           </a:xfrm>
           <a:prstGeom prst="straightConnector1">
@@ -4072,7 +4072,7 @@
         </p:nvSpPr>
         <p:spPr>
           <a:xfrm>
-            <a:off x="6985392" y="5354575"/>
+            <a:off x="7763822" y="5375060"/>
             <a:ext cx="6308704" cy="1046440"/>
           </a:xfrm>
           <a:prstGeom prst="rect">
@@ -4088,17 +4088,20 @@
           <a:p>
             <a:pPr algn="ctr"/>
             <a:r>
+              <a:rPr lang="en-US" b="1" dirty="0"/>
+              <a:t>F</a:t>
+            </a:r>
+            <a:r>
               <a:rPr lang="en-US" b="1" dirty="0" smtClean="0"/>
-              <a:t>Security Enforcement Component</a:t>
+              <a:t>ine-grained Validation</a:t>
             </a:r>
           </a:p>
           <a:p>
             <a:pPr algn="ctr"/>
             <a:r>
-              <a:rPr lang="en-US" dirty="0" smtClean="0"/>
-              <a:t>(Fine-grained Validation)</a:t>
-            </a:r>
-            <a:endParaRPr lang="en-US" dirty="0"/>
+              <a:rPr lang="en-US" b="1" dirty="0" smtClean="0"/>
+              <a:t> Module</a:t>
+            </a:r>
           </a:p>
         </p:txBody>
       </p:sp>
@@ -4110,14 +4113,14 @@
         </p:nvSpPr>
         <p:spPr>
           <a:xfrm>
-            <a:off x="9443594" y="7354121"/>
-            <a:ext cx="1454436" cy="1195813"/>
+            <a:off x="10609036" y="7087817"/>
+            <a:ext cx="3382230" cy="1802682"/>
           </a:xfrm>
           <a:prstGeom prst="ellipse">
             <a:avLst/>
           </a:prstGeom>
           <a:solidFill>
-            <a:schemeClr val="tx1"/>
+            <a:schemeClr val="bg1"/>
           </a:solidFill>
           <a:ln>
             <a:solidFill>
@@ -4156,8 +4159,8 @@
         </p:nvSpPr>
         <p:spPr>
           <a:xfrm>
-            <a:off x="9331890" y="7637416"/>
-            <a:ext cx="1679772" cy="569387"/>
+            <a:off x="10954436" y="8241382"/>
+            <a:ext cx="2712754" cy="569387"/>
           </a:xfrm>
           <a:prstGeom prst="rect">
             <a:avLst/>
@@ -4172,18 +4175,9 @@
           <a:p>
             <a:pPr algn="ctr"/>
             <a:r>
-              <a:rPr lang="en-US" b="1" dirty="0" smtClean="0">
-                <a:solidFill>
-                  <a:schemeClr val="bg1"/>
-                </a:solidFill>
-              </a:rPr>
+              <a:rPr lang="en-US" b="1" dirty="0" smtClean="0"/>
               <a:t>IOMMU</a:t>
             </a:r>
-            <a:endParaRPr lang="en-US" b="1" dirty="0">
-              <a:solidFill>
-                <a:schemeClr val="bg1"/>
-              </a:solidFill>
-            </a:endParaRPr>
           </a:p>
         </p:txBody>
       </p:sp>
@@ -4195,8 +4189,8 @@
         </p:nvCxnSpPr>
         <p:spPr>
           <a:xfrm>
-            <a:off x="10168212" y="6420814"/>
-            <a:ext cx="0" cy="933307"/>
+            <a:off x="12300912" y="6421500"/>
+            <a:ext cx="0" cy="1072626"/>
           </a:xfrm>
           <a:prstGeom prst="straightConnector1">
             <a:avLst/>
@@ -4229,89 +4223,13 @@
       </p:cxnSp>
       <p:sp>
         <p:nvSpPr>
-          <p:cNvPr id="44" name="Left-Right Arrow 43"/>
-          <p:cNvSpPr/>
-          <p:nvPr/>
-        </p:nvSpPr>
-        <p:spPr>
-          <a:xfrm>
-            <a:off x="4607355" y="2152469"/>
-            <a:ext cx="1645253" cy="831813"/>
-          </a:xfrm>
-          <a:prstGeom prst="leftRightArrow">
-            <a:avLst/>
-          </a:prstGeom>
-        </p:spPr>
-        <p:style>
-          <a:lnRef idx="1">
-            <a:schemeClr val="accent1"/>
-          </a:lnRef>
-          <a:fillRef idx="3">
-            <a:schemeClr val="accent1"/>
-          </a:fillRef>
-          <a:effectRef idx="2">
-            <a:schemeClr val="accent1"/>
-          </a:effectRef>
-          <a:fontRef idx="minor">
-            <a:schemeClr val="lt1"/>
-          </a:fontRef>
-        </p:style>
-        <p:txBody>
-          <a:bodyPr rtlCol="0" anchor="ctr"/>
-          <a:lstStyle/>
-          <a:p>
-            <a:pPr algn="ctr"/>
-            <a:endParaRPr lang="en-US"/>
-          </a:p>
-        </p:txBody>
-      </p:sp>
-      <p:sp>
-        <p:nvSpPr>
-          <p:cNvPr id="45" name="Left-Right Arrow 44"/>
-          <p:cNvSpPr/>
-          <p:nvPr/>
-        </p:nvSpPr>
-        <p:spPr>
-          <a:xfrm>
-            <a:off x="5664302" y="7784815"/>
-            <a:ext cx="866862" cy="569387"/>
-          </a:xfrm>
-          <a:prstGeom prst="leftRightArrow">
-            <a:avLst/>
-          </a:prstGeom>
-        </p:spPr>
-        <p:style>
-          <a:lnRef idx="1">
-            <a:schemeClr val="accent1"/>
-          </a:lnRef>
-          <a:fillRef idx="3">
-            <a:schemeClr val="accent1"/>
-          </a:fillRef>
-          <a:effectRef idx="2">
-            <a:schemeClr val="accent1"/>
-          </a:effectRef>
-          <a:fontRef idx="minor">
-            <a:schemeClr val="lt1"/>
-          </a:fontRef>
-        </p:style>
-        <p:txBody>
-          <a:bodyPr rtlCol="0" anchor="ctr"/>
-          <a:lstStyle/>
-          <a:p>
-            <a:pPr algn="ctr"/>
-            <a:endParaRPr lang="en-US"/>
-          </a:p>
-        </p:txBody>
-      </p:sp>
-      <p:sp>
-        <p:nvSpPr>
           <p:cNvPr id="46" name="Rectangle 45"/>
           <p:cNvSpPr/>
           <p:nvPr/>
         </p:nvSpPr>
         <p:spPr>
           <a:xfrm>
-            <a:off x="404771" y="7318946"/>
+            <a:off x="404771" y="7359916"/>
             <a:ext cx="8053340" cy="1469127"/>
           </a:xfrm>
           <a:prstGeom prst="rect">
@@ -4356,7 +4274,7 @@
         </p:nvSpPr>
         <p:spPr>
           <a:xfrm>
-            <a:off x="6493752" y="7571969"/>
+            <a:off x="6452782" y="7715364"/>
             <a:ext cx="1964359" cy="954107"/>
           </a:xfrm>
           <a:prstGeom prst="rect">
@@ -4379,7 +4297,7 @@
           <a:p>
             <a:pPr algn="ctr"/>
             <a:r>
-              <a:rPr lang="en-US" sz="2800" smtClean="0"/>
+              <a:rPr lang="en-US" sz="2800" dirty="0" smtClean="0"/>
               <a:t>Update</a:t>
             </a:r>
             <a:endParaRPr lang="en-US" sz="2800" dirty="0"/>
@@ -4394,7 +4312,7 @@
         </p:nvCxnSpPr>
         <p:spPr>
           <a:xfrm flipH="1">
-            <a:off x="553829" y="8386053"/>
+            <a:off x="553829" y="8427023"/>
             <a:ext cx="843831" cy="0"/>
           </a:xfrm>
           <a:prstGeom prst="straightConnector1">
@@ -4431,7 +4349,7 @@
         </p:nvSpPr>
         <p:spPr>
           <a:xfrm>
-            <a:off x="1304240" y="8124443"/>
+            <a:off x="1304240" y="8165413"/>
             <a:ext cx="4165260" cy="523220"/>
           </a:xfrm>
           <a:prstGeom prst="rect">
@@ -4447,8 +4365,16 @@
           <a:p>
             <a:pPr algn="ctr"/>
             <a:r>
+              <a:rPr lang="en-US" altLang="zh-CN" sz="2800" dirty="0" smtClean="0"/>
+              <a:t>Communication</a:t>
+            </a:r>
+            <a:r>
+              <a:rPr lang="zh-CN" altLang="en-US" sz="2800" dirty="0" smtClean="0"/>
+              <a:t> </a:t>
+            </a:r>
+            <a:r>
               <a:rPr lang="en-US" sz="2800" dirty="0" smtClean="0"/>
-              <a:t>Communication Channel</a:t>
+              <a:t>Channel</a:t>
             </a:r>
             <a:endParaRPr lang="en-US" sz="2800" dirty="0"/>
           </a:p>
@@ -4462,7 +4388,7 @@
         </p:nvCxnSpPr>
         <p:spPr>
           <a:xfrm>
-            <a:off x="553829" y="7729749"/>
+            <a:off x="553829" y="7770719"/>
             <a:ext cx="843831" cy="0"/>
           </a:xfrm>
           <a:prstGeom prst="straightConnector1">
@@ -4502,8 +4428,8 @@
         </p:nvSpPr>
         <p:spPr>
           <a:xfrm>
-            <a:off x="1550059" y="7525803"/>
-            <a:ext cx="3468769" cy="523220"/>
+            <a:off x="1427149" y="7566773"/>
+            <a:ext cx="3745691" cy="523220"/>
           </a:xfrm>
           <a:prstGeom prst="rect">
             <a:avLst/>
@@ -4518,10 +4444,172 @@
           <a:p>
             <a:pPr algn="ctr"/>
             <a:r>
+              <a:rPr lang="en-US" altLang="zh-CN" sz="2800" dirty="0" smtClean="0"/>
+              <a:t>Vanished</a:t>
+            </a:r>
+            <a:r>
+              <a:rPr lang="zh-CN" altLang="en-US" sz="2800" dirty="0" smtClean="0"/>
+              <a:t> </a:t>
+            </a:r>
+            <a:r>
               <a:rPr lang="en-US" sz="2800" dirty="0" smtClean="0"/>
-              <a:t>Eliminated Channel</a:t>
+              <a:t>Channel</a:t>
             </a:r>
             <a:endParaRPr lang="en-US" sz="2800" dirty="0"/>
+          </a:p>
+        </p:txBody>
+      </p:sp>
+      <p:sp>
+        <p:nvSpPr>
+          <p:cNvPr id="49" name="Rounded Rectangle 48"/>
+          <p:cNvSpPr/>
+          <p:nvPr/>
+        </p:nvSpPr>
+        <p:spPr>
+          <a:xfrm>
+            <a:off x="11330116" y="7525407"/>
+            <a:ext cx="1978041" cy="624453"/>
+          </a:xfrm>
+          <a:prstGeom prst="roundRect">
+            <a:avLst/>
+          </a:prstGeom>
+          <a:solidFill>
+            <a:schemeClr val="bg1">
+              <a:lumMod val="85000"/>
+            </a:schemeClr>
+          </a:solidFill>
+          <a:ln>
+            <a:solidFill>
+              <a:srgbClr val="000000"/>
+            </a:solidFill>
+          </a:ln>
+        </p:spPr>
+        <p:style>
+          <a:lnRef idx="1">
+            <a:schemeClr val="accent1"/>
+          </a:lnRef>
+          <a:fillRef idx="3">
+            <a:schemeClr val="accent1"/>
+          </a:fillRef>
+          <a:effectRef idx="2">
+            <a:schemeClr val="accent1"/>
+          </a:effectRef>
+          <a:fontRef idx="minor">
+            <a:schemeClr val="lt1"/>
+          </a:fontRef>
+        </p:style>
+        <p:txBody>
+          <a:bodyPr rtlCol="0" anchor="ctr"/>
+          <a:lstStyle/>
+          <a:p>
+            <a:pPr algn="ctr"/>
+            <a:endParaRPr lang="en-US"/>
+          </a:p>
+        </p:txBody>
+      </p:sp>
+      <p:sp>
+        <p:nvSpPr>
+          <p:cNvPr id="50" name="TextBox 49"/>
+          <p:cNvSpPr txBox="1"/>
+          <p:nvPr/>
+        </p:nvSpPr>
+        <p:spPr>
+          <a:xfrm>
+            <a:off x="11309630" y="7533088"/>
+            <a:ext cx="1978041" cy="569387"/>
+          </a:xfrm>
+          <a:prstGeom prst="rect">
+            <a:avLst/>
+          </a:prstGeom>
+          <a:noFill/>
+        </p:spPr>
+        <p:txBody>
+          <a:bodyPr wrap="square" rtlCol="0">
+            <a:spAutoFit/>
+          </a:bodyPr>
+          <a:lstStyle/>
+          <a:p>
+            <a:pPr algn="ctr"/>
+            <a:r>
+              <a:rPr lang="en-US" dirty="0" smtClean="0"/>
+              <a:t>IOTLBs</a:t>
+            </a:r>
+          </a:p>
+        </p:txBody>
+      </p:sp>
+      <p:sp>
+        <p:nvSpPr>
+          <p:cNvPr id="34" name="Right Arrow 33"/>
+          <p:cNvSpPr/>
+          <p:nvPr/>
+        </p:nvSpPr>
+        <p:spPr>
+          <a:xfrm>
+            <a:off x="4835181" y="2304869"/>
+            <a:ext cx="1268638" cy="840818"/>
+          </a:xfrm>
+          <a:prstGeom prst="rightArrow">
+            <a:avLst/>
+          </a:prstGeom>
+        </p:spPr>
+        <p:style>
+          <a:lnRef idx="1">
+            <a:schemeClr val="accent1"/>
+          </a:lnRef>
+          <a:fillRef idx="3">
+            <a:schemeClr val="accent1"/>
+          </a:fillRef>
+          <a:effectRef idx="2">
+            <a:schemeClr val="accent1"/>
+          </a:effectRef>
+          <a:fontRef idx="minor">
+            <a:schemeClr val="lt1"/>
+          </a:fontRef>
+        </p:style>
+        <p:txBody>
+          <a:bodyPr rtlCol="0" anchor="ctr"/>
+          <a:lstStyle/>
+          <a:p>
+            <a:pPr algn="ctr"/>
+            <a:endParaRPr lang="en-US"/>
+          </a:p>
+        </p:txBody>
+      </p:sp>
+      <p:sp>
+        <p:nvSpPr>
+          <p:cNvPr id="54" name="Right Arrow 53"/>
+          <p:cNvSpPr/>
+          <p:nvPr/>
+        </p:nvSpPr>
+        <p:spPr>
+          <a:xfrm>
+            <a:off x="5666063" y="7913230"/>
+            <a:ext cx="786719" cy="656304"/>
+          </a:xfrm>
+          <a:prstGeom prst="rightArrow">
+            <a:avLst/>
+          </a:prstGeom>
+        </p:spPr>
+        <p:style>
+          <a:lnRef idx="1">
+            <a:schemeClr val="accent1"/>
+          </a:lnRef>
+          <a:fillRef idx="3">
+            <a:schemeClr val="accent1"/>
+          </a:fillRef>
+          <a:effectRef idx="2">
+            <a:schemeClr val="accent1"/>
+          </a:effectRef>
+          <a:fontRef idx="minor">
+            <a:schemeClr val="lt1"/>
+          </a:fontRef>
+        </p:style>
+        <p:txBody>
+          <a:bodyPr rtlCol="0" anchor="ctr"/>
+          <a:lstStyle/>
+          <a:p>
+            <a:pPr algn="ctr"/>
+            <a:endParaRPr lang="en-US"/>
           </a:p>
         </p:txBody>
       </p:sp>

--- a/doc/paper/image/overview/arch.pptx
+++ b/doc/paper/image/overview/arch.pptx
@@ -4,6 +4,9 @@
   <p:sldMasterIdLst>
     <p:sldMasterId id="2147483648" r:id="rId1"/>
   </p:sldMasterIdLst>
+  <p:notesMasterIdLst>
+    <p:notesMasterId r:id="rId3"/>
+  </p:notesMasterIdLst>
   <p:sldIdLst>
     <p:sldId id="256" r:id="rId2"/>
   </p:sldIdLst>
@@ -105,6 +108,440 @@
     </a:lvl9pPr>
   </p:defaultTextStyle>
 </p:presentation>
+</file>
+
+<file path=ppt/notesMasters/notesMaster1.xml><?xml version="1.0" encoding="utf-8"?>
+<p:notesMaster xmlns:a="http://schemas.openxmlformats.org/drawingml/2006/main" xmlns:r="http://schemas.openxmlformats.org/officeDocument/2006/relationships" xmlns:p="http://schemas.openxmlformats.org/presentationml/2006/main">
+  <p:cSld>
+    <p:bg>
+      <p:bgRef idx="1001">
+        <a:schemeClr val="bg1"/>
+      </p:bgRef>
+    </p:bg>
+    <p:spTree>
+      <p:nvGrpSpPr>
+        <p:cNvPr id="1" name=""/>
+        <p:cNvGrpSpPr/>
+        <p:nvPr/>
+      </p:nvGrpSpPr>
+      <p:grpSpPr>
+        <a:xfrm>
+          <a:off x="0" y="0"/>
+          <a:ext cx="0" cy="0"/>
+          <a:chOff x="0" y="0"/>
+          <a:chExt cx="0" cy="0"/>
+        </a:xfrm>
+      </p:grpSpPr>
+      <p:sp>
+        <p:nvSpPr>
+          <p:cNvPr id="2" name="Header Placeholder 1"/>
+          <p:cNvSpPr>
+            <a:spLocks noGrp="1"/>
+          </p:cNvSpPr>
+          <p:nvPr>
+            <p:ph type="hdr" sz="quarter"/>
+          </p:nvPr>
+        </p:nvSpPr>
+        <p:spPr>
+          <a:xfrm>
+            <a:off x="0" y="0"/>
+            <a:ext cx="2971800" cy="457200"/>
+          </a:xfrm>
+          <a:prstGeom prst="rect">
+            <a:avLst/>
+          </a:prstGeom>
+        </p:spPr>
+        <p:txBody>
+          <a:bodyPr vert="horz" lIns="91440" tIns="45720" rIns="91440" bIns="45720" rtlCol="0"/>
+          <a:lstStyle>
+            <a:lvl1pPr algn="l">
+              <a:defRPr sz="1200"/>
+            </a:lvl1pPr>
+          </a:lstStyle>
+          <a:p>
+            <a:endParaRPr lang="en-US"/>
+          </a:p>
+        </p:txBody>
+      </p:sp>
+      <p:sp>
+        <p:nvSpPr>
+          <p:cNvPr id="3" name="Date Placeholder 2"/>
+          <p:cNvSpPr>
+            <a:spLocks noGrp="1"/>
+          </p:cNvSpPr>
+          <p:nvPr>
+            <p:ph type="dt" idx="1"/>
+          </p:nvPr>
+        </p:nvSpPr>
+        <p:spPr>
+          <a:xfrm>
+            <a:off x="3884613" y="0"/>
+            <a:ext cx="2971800" cy="457200"/>
+          </a:xfrm>
+          <a:prstGeom prst="rect">
+            <a:avLst/>
+          </a:prstGeom>
+        </p:spPr>
+        <p:txBody>
+          <a:bodyPr vert="horz" lIns="91440" tIns="45720" rIns="91440" bIns="45720" rtlCol="0"/>
+          <a:lstStyle>
+            <a:lvl1pPr algn="r">
+              <a:defRPr sz="1200"/>
+            </a:lvl1pPr>
+          </a:lstStyle>
+          <a:p>
+            <a:fld id="{33707FC8-A5DC-874B-A1ED-E997D0D5CB60}" type="datetimeFigureOut">
+              <a:rPr lang="en-US" smtClean="0"/>
+              <a:t>3/20/15</a:t>
+            </a:fld>
+            <a:endParaRPr lang="en-US"/>
+          </a:p>
+        </p:txBody>
+      </p:sp>
+      <p:sp>
+        <p:nvSpPr>
+          <p:cNvPr id="4" name="Slide Image Placeholder 3"/>
+          <p:cNvSpPr>
+            <a:spLocks noGrp="1" noRot="1" noChangeAspect="1"/>
+          </p:cNvSpPr>
+          <p:nvPr>
+            <p:ph type="sldImg" idx="2"/>
+          </p:nvPr>
+        </p:nvSpPr>
+        <p:spPr>
+          <a:xfrm>
+            <a:off x="0" y="685800"/>
+            <a:ext cx="6858000" cy="3429000"/>
+          </a:xfrm>
+          <a:prstGeom prst="rect">
+            <a:avLst/>
+          </a:prstGeom>
+          <a:noFill/>
+          <a:ln w="12700">
+            <a:solidFill>
+              <a:prstClr val="black"/>
+            </a:solidFill>
+          </a:ln>
+        </p:spPr>
+        <p:txBody>
+          <a:bodyPr vert="horz" lIns="91440" tIns="45720" rIns="91440" bIns="45720" rtlCol="0" anchor="ctr"/>
+          <a:lstStyle/>
+          <a:p>
+            <a:endParaRPr lang="en-US"/>
+          </a:p>
+        </p:txBody>
+      </p:sp>
+      <p:sp>
+        <p:nvSpPr>
+          <p:cNvPr id="5" name="Notes Placeholder 4"/>
+          <p:cNvSpPr>
+            <a:spLocks noGrp="1"/>
+          </p:cNvSpPr>
+          <p:nvPr>
+            <p:ph type="body" sz="quarter" idx="3"/>
+          </p:nvPr>
+        </p:nvSpPr>
+        <p:spPr>
+          <a:xfrm>
+            <a:off x="685800" y="4343400"/>
+            <a:ext cx="5486400" cy="4114800"/>
+          </a:xfrm>
+          <a:prstGeom prst="rect">
+            <a:avLst/>
+          </a:prstGeom>
+        </p:spPr>
+        <p:txBody>
+          <a:bodyPr vert="horz" lIns="91440" tIns="45720" rIns="91440" bIns="45720" rtlCol="0"/>
+          <a:lstStyle/>
+          <a:p>
+            <a:pPr lvl="0"/>
+            <a:r>
+              <a:rPr lang="en-US" altLang="zh-CN" smtClean="0"/>
+              <a:t>Click to edit Master text styles</a:t>
+            </a:r>
+          </a:p>
+          <a:p>
+            <a:pPr lvl="1"/>
+            <a:r>
+              <a:rPr lang="en-US" altLang="zh-CN" smtClean="0"/>
+              <a:t>Second level</a:t>
+            </a:r>
+          </a:p>
+          <a:p>
+            <a:pPr lvl="2"/>
+            <a:r>
+              <a:rPr lang="en-US" altLang="zh-CN" smtClean="0"/>
+              <a:t>Third level</a:t>
+            </a:r>
+          </a:p>
+          <a:p>
+            <a:pPr lvl="3"/>
+            <a:r>
+              <a:rPr lang="en-US" altLang="zh-CN" smtClean="0"/>
+              <a:t>Fourth level</a:t>
+            </a:r>
+          </a:p>
+          <a:p>
+            <a:pPr lvl="4"/>
+            <a:r>
+              <a:rPr lang="en-US" altLang="zh-CN" smtClean="0"/>
+              <a:t>Fifth level</a:t>
+            </a:r>
+            <a:endParaRPr lang="en-US"/>
+          </a:p>
+        </p:txBody>
+      </p:sp>
+      <p:sp>
+        <p:nvSpPr>
+          <p:cNvPr id="6" name="Footer Placeholder 5"/>
+          <p:cNvSpPr>
+            <a:spLocks noGrp="1"/>
+          </p:cNvSpPr>
+          <p:nvPr>
+            <p:ph type="ftr" sz="quarter" idx="4"/>
+          </p:nvPr>
+        </p:nvSpPr>
+        <p:spPr>
+          <a:xfrm>
+            <a:off x="0" y="8685213"/>
+            <a:ext cx="2971800" cy="457200"/>
+          </a:xfrm>
+          <a:prstGeom prst="rect">
+            <a:avLst/>
+          </a:prstGeom>
+        </p:spPr>
+        <p:txBody>
+          <a:bodyPr vert="horz" lIns="91440" tIns="45720" rIns="91440" bIns="45720" rtlCol="0" anchor="b"/>
+          <a:lstStyle>
+            <a:lvl1pPr algn="l">
+              <a:defRPr sz="1200"/>
+            </a:lvl1pPr>
+          </a:lstStyle>
+          <a:p>
+            <a:endParaRPr lang="en-US"/>
+          </a:p>
+        </p:txBody>
+      </p:sp>
+      <p:sp>
+        <p:nvSpPr>
+          <p:cNvPr id="7" name="Slide Number Placeholder 6"/>
+          <p:cNvSpPr>
+            <a:spLocks noGrp="1"/>
+          </p:cNvSpPr>
+          <p:nvPr>
+            <p:ph type="sldNum" sz="quarter" idx="5"/>
+          </p:nvPr>
+        </p:nvSpPr>
+        <p:spPr>
+          <a:xfrm>
+            <a:off x="3884613" y="8685213"/>
+            <a:ext cx="2971800" cy="457200"/>
+          </a:xfrm>
+          <a:prstGeom prst="rect">
+            <a:avLst/>
+          </a:prstGeom>
+        </p:spPr>
+        <p:txBody>
+          <a:bodyPr vert="horz" lIns="91440" tIns="45720" rIns="91440" bIns="45720" rtlCol="0" anchor="b"/>
+          <a:lstStyle>
+            <a:lvl1pPr algn="r">
+              <a:defRPr sz="1200"/>
+            </a:lvl1pPr>
+          </a:lstStyle>
+          <a:p>
+            <a:fld id="{8C06BD9A-9AFD-B343-8FFB-02148E1667C7}" type="slidenum">
+              <a:rPr lang="en-US" smtClean="0"/>
+              <a:t>‹#›</a:t>
+            </a:fld>
+            <a:endParaRPr lang="en-US"/>
+          </a:p>
+        </p:txBody>
+      </p:sp>
+    </p:spTree>
+    <p:extLst>
+      <p:ext uri="{BB962C8B-B14F-4D97-AF65-F5344CB8AC3E}">
+        <p14:creationId xmlns:p14="http://schemas.microsoft.com/office/powerpoint/2010/main" val="1775293656"/>
+      </p:ext>
+    </p:extLst>
+  </p:cSld>
+  <p:clrMap bg1="lt1" tx1="dk1" bg2="lt2" tx2="dk2" accent1="accent1" accent2="accent2" accent3="accent3" accent4="accent4" accent5="accent5" accent6="accent6" hlink="hlink" folHlink="folHlink"/>
+  <p:notesStyle>
+    <a:lvl1pPr marL="0" algn="l" defTabSz="457200" rtl="0" eaLnBrk="1" latinLnBrk="0" hangingPunct="1">
+      <a:defRPr sz="1200" kern="1200">
+        <a:solidFill>
+          <a:schemeClr val="tx1"/>
+        </a:solidFill>
+        <a:latin typeface="+mn-lt"/>
+        <a:ea typeface="+mn-ea"/>
+        <a:cs typeface="+mn-cs"/>
+      </a:defRPr>
+    </a:lvl1pPr>
+    <a:lvl2pPr marL="457200" algn="l" defTabSz="457200" rtl="0" eaLnBrk="1" latinLnBrk="0" hangingPunct="1">
+      <a:defRPr sz="1200" kern="1200">
+        <a:solidFill>
+          <a:schemeClr val="tx1"/>
+        </a:solidFill>
+        <a:latin typeface="+mn-lt"/>
+        <a:ea typeface="+mn-ea"/>
+        <a:cs typeface="+mn-cs"/>
+      </a:defRPr>
+    </a:lvl2pPr>
+    <a:lvl3pPr marL="914400" algn="l" defTabSz="457200" rtl="0" eaLnBrk="1" latinLnBrk="0" hangingPunct="1">
+      <a:defRPr sz="1200" kern="1200">
+        <a:solidFill>
+          <a:schemeClr val="tx1"/>
+        </a:solidFill>
+        <a:latin typeface="+mn-lt"/>
+        <a:ea typeface="+mn-ea"/>
+        <a:cs typeface="+mn-cs"/>
+      </a:defRPr>
+    </a:lvl3pPr>
+    <a:lvl4pPr marL="1371600" algn="l" defTabSz="457200" rtl="0" eaLnBrk="1" latinLnBrk="0" hangingPunct="1">
+      <a:defRPr sz="1200" kern="1200">
+        <a:solidFill>
+          <a:schemeClr val="tx1"/>
+        </a:solidFill>
+        <a:latin typeface="+mn-lt"/>
+        <a:ea typeface="+mn-ea"/>
+        <a:cs typeface="+mn-cs"/>
+      </a:defRPr>
+    </a:lvl4pPr>
+    <a:lvl5pPr marL="1828800" algn="l" defTabSz="457200" rtl="0" eaLnBrk="1" latinLnBrk="0" hangingPunct="1">
+      <a:defRPr sz="1200" kern="1200">
+        <a:solidFill>
+          <a:schemeClr val="tx1"/>
+        </a:solidFill>
+        <a:latin typeface="+mn-lt"/>
+        <a:ea typeface="+mn-ea"/>
+        <a:cs typeface="+mn-cs"/>
+      </a:defRPr>
+    </a:lvl5pPr>
+    <a:lvl6pPr marL="2286000" algn="l" defTabSz="457200" rtl="0" eaLnBrk="1" latinLnBrk="0" hangingPunct="1">
+      <a:defRPr sz="1200" kern="1200">
+        <a:solidFill>
+          <a:schemeClr val="tx1"/>
+        </a:solidFill>
+        <a:latin typeface="+mn-lt"/>
+        <a:ea typeface="+mn-ea"/>
+        <a:cs typeface="+mn-cs"/>
+      </a:defRPr>
+    </a:lvl6pPr>
+    <a:lvl7pPr marL="2743200" algn="l" defTabSz="457200" rtl="0" eaLnBrk="1" latinLnBrk="0" hangingPunct="1">
+      <a:defRPr sz="1200" kern="1200">
+        <a:solidFill>
+          <a:schemeClr val="tx1"/>
+        </a:solidFill>
+        <a:latin typeface="+mn-lt"/>
+        <a:ea typeface="+mn-ea"/>
+        <a:cs typeface="+mn-cs"/>
+      </a:defRPr>
+    </a:lvl7pPr>
+    <a:lvl8pPr marL="3200400" algn="l" defTabSz="457200" rtl="0" eaLnBrk="1" latinLnBrk="0" hangingPunct="1">
+      <a:defRPr sz="1200" kern="1200">
+        <a:solidFill>
+          <a:schemeClr val="tx1"/>
+        </a:solidFill>
+        <a:latin typeface="+mn-lt"/>
+        <a:ea typeface="+mn-ea"/>
+        <a:cs typeface="+mn-cs"/>
+      </a:defRPr>
+    </a:lvl8pPr>
+    <a:lvl9pPr marL="3657600" algn="l" defTabSz="457200" rtl="0" eaLnBrk="1" latinLnBrk="0" hangingPunct="1">
+      <a:defRPr sz="1200" kern="1200">
+        <a:solidFill>
+          <a:schemeClr val="tx1"/>
+        </a:solidFill>
+        <a:latin typeface="+mn-lt"/>
+        <a:ea typeface="+mn-ea"/>
+        <a:cs typeface="+mn-cs"/>
+      </a:defRPr>
+    </a:lvl9pPr>
+  </p:notesStyle>
+</p:notesMaster>
+</file>
+
+<file path=ppt/notesSlides/notesSlide1.xml><?xml version="1.0" encoding="utf-8"?>
+<p:notes xmlns:a="http://schemas.openxmlformats.org/drawingml/2006/main" xmlns:r="http://schemas.openxmlformats.org/officeDocument/2006/relationships" xmlns:p="http://schemas.openxmlformats.org/presentationml/2006/main">
+  <p:cSld>
+    <p:spTree>
+      <p:nvGrpSpPr>
+        <p:cNvPr id="1" name=""/>
+        <p:cNvGrpSpPr/>
+        <p:nvPr/>
+      </p:nvGrpSpPr>
+      <p:grpSpPr>
+        <a:xfrm>
+          <a:off x="0" y="0"/>
+          <a:ext cx="0" cy="0"/>
+          <a:chOff x="0" y="0"/>
+          <a:chExt cx="0" cy="0"/>
+        </a:xfrm>
+      </p:grpSpPr>
+      <p:sp>
+        <p:nvSpPr>
+          <p:cNvPr id="2" name="Slide Image Placeholder 1"/>
+          <p:cNvSpPr>
+            <a:spLocks noGrp="1" noRot="1" noChangeAspect="1"/>
+          </p:cNvSpPr>
+          <p:nvPr>
+            <p:ph type="sldImg"/>
+          </p:nvPr>
+        </p:nvSpPr>
+        <p:spPr/>
+      </p:sp>
+      <p:sp>
+        <p:nvSpPr>
+          <p:cNvPr id="3" name="Notes Placeholder 2"/>
+          <p:cNvSpPr>
+            <a:spLocks noGrp="1"/>
+          </p:cNvSpPr>
+          <p:nvPr>
+            <p:ph type="body" idx="1"/>
+          </p:nvPr>
+        </p:nvSpPr>
+        <p:spPr/>
+        <p:txBody>
+          <a:bodyPr/>
+          <a:lstStyle/>
+          <a:p>
+            <a:endParaRPr lang="en-US" dirty="0"/>
+          </a:p>
+        </p:txBody>
+      </p:sp>
+      <p:sp>
+        <p:nvSpPr>
+          <p:cNvPr id="4" name="Slide Number Placeholder 3"/>
+          <p:cNvSpPr>
+            <a:spLocks noGrp="1"/>
+          </p:cNvSpPr>
+          <p:nvPr>
+            <p:ph type="sldNum" sz="quarter" idx="10"/>
+          </p:nvPr>
+        </p:nvSpPr>
+        <p:spPr/>
+        <p:txBody>
+          <a:bodyPr/>
+          <a:lstStyle/>
+          <a:p>
+            <a:fld id="{8C06BD9A-9AFD-B343-8FFB-02148E1667C7}" type="slidenum">
+              <a:rPr lang="en-US" smtClean="0"/>
+              <a:t>1</a:t>
+            </a:fld>
+            <a:endParaRPr lang="en-US"/>
+          </a:p>
+        </p:txBody>
+      </p:sp>
+    </p:spTree>
+    <p:extLst>
+      <p:ext uri="{BB962C8B-B14F-4D97-AF65-F5344CB8AC3E}">
+        <p14:creationId xmlns:p14="http://schemas.microsoft.com/office/powerpoint/2010/main" val="608974219"/>
+      </p:ext>
+    </p:extLst>
+  </p:cSld>
+  <p:clrMapOvr>
+    <a:masterClrMapping/>
+  </p:clrMapOvr>
+</p:notes>
 </file>
 
 <file path=ppt/slideLayouts/slideLayout1.xml><?xml version="1.0" encoding="utf-8"?>
@@ -3197,7 +3634,7 @@
         <p:spPr>
           <a:xfrm>
             <a:off x="5449016" y="758422"/>
-            <a:ext cx="9318908" cy="3256641"/>
+            <a:ext cx="4915721" cy="3256641"/>
           </a:xfrm>
           <a:prstGeom prst="roundRect">
             <a:avLst/>
@@ -3583,7 +4020,7 @@
         <p:spPr>
           <a:xfrm>
             <a:off x="5295750" y="767722"/>
-            <a:ext cx="9472174" cy="569387"/>
+            <a:ext cx="5068987" cy="569387"/>
           </a:xfrm>
           <a:prstGeom prst="rect">
             <a:avLst/>
@@ -3889,7 +4326,7 @@
         </p:nvSpPr>
         <p:spPr>
           <a:xfrm>
-            <a:off x="7763822" y="5345235"/>
+            <a:off x="7067332" y="5345235"/>
             <a:ext cx="6329188" cy="1107546"/>
           </a:xfrm>
           <a:prstGeom prst="roundRect">
@@ -3937,7 +4374,7 @@
         </p:nvCxnSpPr>
         <p:spPr>
           <a:xfrm>
-            <a:off x="10364737" y="3985013"/>
+            <a:off x="7988475" y="3985013"/>
             <a:ext cx="0" cy="1330172"/>
           </a:xfrm>
           <a:prstGeom prst="straightConnector1">
@@ -4072,7 +4509,7 @@
         </p:nvSpPr>
         <p:spPr>
           <a:xfrm>
-            <a:off x="7763822" y="5375060"/>
+            <a:off x="7067332" y="5375060"/>
             <a:ext cx="6308704" cy="1046440"/>
           </a:xfrm>
           <a:prstGeom prst="rect">
@@ -4229,7 +4666,7 @@
         </p:nvSpPr>
         <p:spPr>
           <a:xfrm>
-            <a:off x="404771" y="7359916"/>
+            <a:off x="1248905" y="7359916"/>
             <a:ext cx="8053340" cy="1469127"/>
           </a:xfrm>
           <a:prstGeom prst="rect">
@@ -4274,7 +4711,7 @@
         </p:nvSpPr>
         <p:spPr>
           <a:xfrm>
-            <a:off x="6452782" y="7715364"/>
+            <a:off x="7296916" y="7715364"/>
             <a:ext cx="1964359" cy="954107"/>
           </a:xfrm>
           <a:prstGeom prst="rect">
@@ -4312,7 +4749,7 @@
         </p:nvCxnSpPr>
         <p:spPr>
           <a:xfrm flipH="1">
-            <a:off x="553829" y="8427023"/>
+            <a:off x="1397963" y="8427023"/>
             <a:ext cx="843831" cy="0"/>
           </a:xfrm>
           <a:prstGeom prst="straightConnector1">
@@ -4349,7 +4786,7 @@
         </p:nvSpPr>
         <p:spPr>
           <a:xfrm>
-            <a:off x="1304240" y="8165413"/>
+            <a:off x="2148374" y="8165413"/>
             <a:ext cx="4165260" cy="523220"/>
           </a:xfrm>
           <a:prstGeom prst="rect">
@@ -4388,7 +4825,7 @@
         </p:nvCxnSpPr>
         <p:spPr>
           <a:xfrm>
-            <a:off x="553829" y="7770719"/>
+            <a:off x="1397963" y="7770719"/>
             <a:ext cx="843831" cy="0"/>
           </a:xfrm>
           <a:prstGeom prst="straightConnector1">
@@ -4428,7 +4865,7 @@
         </p:nvSpPr>
         <p:spPr>
           <a:xfrm>
-            <a:off x="1427149" y="7566773"/>
+            <a:off x="2271283" y="7566773"/>
             <a:ext cx="3745691" cy="523220"/>
           </a:xfrm>
           <a:prstGeom prst="rect">
@@ -4583,7 +5020,7 @@
         </p:nvSpPr>
         <p:spPr>
           <a:xfrm>
-            <a:off x="5666063" y="7913230"/>
+            <a:off x="6510197" y="7913230"/>
             <a:ext cx="786719" cy="656304"/>
           </a:xfrm>
           <a:prstGeom prst="rightArrow">
@@ -4944,4 +5381,324 @@
   </a:objectDefaults>
   <a:extraClrSchemeLst/>
 </a:theme>
+</file>
+
+<file path=ppt/theme/theme2.xml><?xml version="1.0" encoding="utf-8"?>
+<a:theme xmlns:a="http://schemas.openxmlformats.org/drawingml/2006/main" name="Office Theme">
+  <a:themeElements>
+    <a:clrScheme name="Office">
+      <a:dk1>
+        <a:sysClr val="windowText" lastClr="000000"/>
+      </a:dk1>
+      <a:lt1>
+        <a:sysClr val="window" lastClr="FFFFFF"/>
+      </a:lt1>
+      <a:dk2>
+        <a:srgbClr val="1F497D"/>
+      </a:dk2>
+      <a:lt2>
+        <a:srgbClr val="EEECE1"/>
+      </a:lt2>
+      <a:accent1>
+        <a:srgbClr val="4F81BD"/>
+      </a:accent1>
+      <a:accent2>
+        <a:srgbClr val="C0504D"/>
+      </a:accent2>
+      <a:accent3>
+        <a:srgbClr val="9BBB59"/>
+      </a:accent3>
+      <a:accent4>
+        <a:srgbClr val="8064A2"/>
+      </a:accent4>
+      <a:accent5>
+        <a:srgbClr val="4BACC6"/>
+      </a:accent5>
+      <a:accent6>
+        <a:srgbClr val="F79646"/>
+      </a:accent6>
+      <a:hlink>
+        <a:srgbClr val="0000FF"/>
+      </a:hlink>
+      <a:folHlink>
+        <a:srgbClr val="800080"/>
+      </a:folHlink>
+    </a:clrScheme>
+    <a:fontScheme name="Office">
+      <a:majorFont>
+        <a:latin typeface="Calibri"/>
+        <a:ea typeface=""/>
+        <a:cs typeface=""/>
+        <a:font script="Jpan" typeface="ＭＳ Ｐゴシック"/>
+        <a:font script="Hang" typeface="맑은 고딕"/>
+        <a:font script="Hans" typeface="宋体"/>
+        <a:font script="Hant" typeface="新細明體"/>
+        <a:font script="Arab" typeface="Times New Roman"/>
+        <a:font script="Hebr" typeface="Times New Roman"/>
+        <a:font script="Thai" typeface="Angsana New"/>
+        <a:font script="Ethi" typeface="Nyala"/>
+        <a:font script="Beng" typeface="Vrinda"/>
+        <a:font script="Gujr" typeface="Shruti"/>
+        <a:font script="Khmr" typeface="MoolBoran"/>
+        <a:font script="Knda" typeface="Tunga"/>
+        <a:font script="Guru" typeface="Raavi"/>
+        <a:font script="Cans" typeface="Euphemia"/>
+        <a:font script="Cher" typeface="Plantagenet Cherokee"/>
+        <a:font script="Yiii" typeface="Microsoft Yi Baiti"/>
+        <a:font script="Tibt" typeface="Microsoft Himalaya"/>
+        <a:font script="Thaa" typeface="MV Boli"/>
+        <a:font script="Deva" typeface="Mangal"/>
+        <a:font script="Telu" typeface="Gautami"/>
+        <a:font script="Taml" typeface="Latha"/>
+        <a:font script="Syrc" typeface="Estrangelo Edessa"/>
+        <a:font script="Orya" typeface="Kalinga"/>
+        <a:font script="Mlym" typeface="Kartika"/>
+        <a:font script="Laoo" typeface="DokChampa"/>
+        <a:font script="Sinh" typeface="Iskoola Pota"/>
+        <a:font script="Mong" typeface="Mongolian Baiti"/>
+        <a:font script="Viet" typeface="Times New Roman"/>
+        <a:font script="Uigh" typeface="Microsoft Uighur"/>
+        <a:font script="Geor" typeface="Sylfaen"/>
+      </a:majorFont>
+      <a:minorFont>
+        <a:latin typeface="Calibri"/>
+        <a:ea typeface=""/>
+        <a:cs typeface=""/>
+        <a:font script="Jpan" typeface="ＭＳ Ｐゴシック"/>
+        <a:font script="Hang" typeface="맑은 고딕"/>
+        <a:font script="Hans" typeface="宋体"/>
+        <a:font script="Hant" typeface="新細明體"/>
+        <a:font script="Arab" typeface="Arial"/>
+        <a:font script="Hebr" typeface="Arial"/>
+        <a:font script="Thai" typeface="Cordia New"/>
+        <a:font script="Ethi" typeface="Nyala"/>
+        <a:font script="Beng" typeface="Vrinda"/>
+        <a:font script="Gujr" typeface="Shruti"/>
+        <a:font script="Khmr" typeface="DaunPenh"/>
+        <a:font script="Knda" typeface="Tunga"/>
+        <a:font script="Guru" typeface="Raavi"/>
+        <a:font script="Cans" typeface="Euphemia"/>
+        <a:font script="Cher" typeface="Plantagenet Cherokee"/>
+        <a:font script="Yiii" typeface="Microsoft Yi Baiti"/>
+        <a:font script="Tibt" typeface="Microsoft Himalaya"/>
+        <a:font script="Thaa" typeface="MV Boli"/>
+        <a:font script="Deva" typeface="Mangal"/>
+        <a:font script="Telu" typeface="Gautami"/>
+        <a:font script="Taml" typeface="Latha"/>
+        <a:font script="Syrc" typeface="Estrangelo Edessa"/>
+        <a:font script="Orya" typeface="Kalinga"/>
+        <a:font script="Mlym" typeface="Kartika"/>
+        <a:font script="Laoo" typeface="DokChampa"/>
+        <a:font script="Sinh" typeface="Iskoola Pota"/>
+        <a:font script="Mong" typeface="Mongolian Baiti"/>
+        <a:font script="Viet" typeface="Arial"/>
+        <a:font script="Uigh" typeface="Microsoft Uighur"/>
+        <a:font script="Geor" typeface="Sylfaen"/>
+      </a:minorFont>
+    </a:fontScheme>
+    <a:fmtScheme name="Office">
+      <a:fillStyleLst>
+        <a:solidFill>
+          <a:schemeClr val="phClr"/>
+        </a:solidFill>
+        <a:gradFill rotWithShape="1">
+          <a:gsLst>
+            <a:gs pos="0">
+              <a:schemeClr val="phClr">
+                <a:tint val="50000"/>
+                <a:satMod val="300000"/>
+              </a:schemeClr>
+            </a:gs>
+            <a:gs pos="35000">
+              <a:schemeClr val="phClr">
+                <a:tint val="37000"/>
+                <a:satMod val="300000"/>
+              </a:schemeClr>
+            </a:gs>
+            <a:gs pos="100000">
+              <a:schemeClr val="phClr">
+                <a:tint val="15000"/>
+                <a:satMod val="350000"/>
+              </a:schemeClr>
+            </a:gs>
+          </a:gsLst>
+          <a:lin ang="16200000" scaled="1"/>
+        </a:gradFill>
+        <a:gradFill rotWithShape="1">
+          <a:gsLst>
+            <a:gs pos="0">
+              <a:schemeClr val="phClr">
+                <a:tint val="100000"/>
+                <a:shade val="100000"/>
+                <a:satMod val="130000"/>
+              </a:schemeClr>
+            </a:gs>
+            <a:gs pos="100000">
+              <a:schemeClr val="phClr">
+                <a:tint val="50000"/>
+                <a:shade val="100000"/>
+                <a:satMod val="350000"/>
+              </a:schemeClr>
+            </a:gs>
+          </a:gsLst>
+          <a:lin ang="16200000" scaled="0"/>
+        </a:gradFill>
+      </a:fillStyleLst>
+      <a:lnStyleLst>
+        <a:ln w="9525" cap="flat" cmpd="sng" algn="ctr">
+          <a:solidFill>
+            <a:schemeClr val="phClr">
+              <a:shade val="95000"/>
+              <a:satMod val="105000"/>
+            </a:schemeClr>
+          </a:solidFill>
+          <a:prstDash val="solid"/>
+        </a:ln>
+        <a:ln w="25400" cap="flat" cmpd="sng" algn="ctr">
+          <a:solidFill>
+            <a:schemeClr val="phClr"/>
+          </a:solidFill>
+          <a:prstDash val="solid"/>
+        </a:ln>
+        <a:ln w="38100" cap="flat" cmpd="sng" algn="ctr">
+          <a:solidFill>
+            <a:schemeClr val="phClr"/>
+          </a:solidFill>
+          <a:prstDash val="solid"/>
+        </a:ln>
+      </a:lnStyleLst>
+      <a:effectStyleLst>
+        <a:effectStyle>
+          <a:effectLst>
+            <a:outerShdw blurRad="40000" dist="20000" dir="5400000" rotWithShape="0">
+              <a:srgbClr val="000000">
+                <a:alpha val="38000"/>
+              </a:srgbClr>
+            </a:outerShdw>
+          </a:effectLst>
+        </a:effectStyle>
+        <a:effectStyle>
+          <a:effectLst>
+            <a:outerShdw blurRad="40000" dist="23000" dir="5400000" rotWithShape="0">
+              <a:srgbClr val="000000">
+                <a:alpha val="35000"/>
+              </a:srgbClr>
+            </a:outerShdw>
+          </a:effectLst>
+        </a:effectStyle>
+        <a:effectStyle>
+          <a:effectLst>
+            <a:outerShdw blurRad="40000" dist="23000" dir="5400000" rotWithShape="0">
+              <a:srgbClr val="000000">
+                <a:alpha val="35000"/>
+              </a:srgbClr>
+            </a:outerShdw>
+          </a:effectLst>
+          <a:scene3d>
+            <a:camera prst="orthographicFront">
+              <a:rot lat="0" lon="0" rev="0"/>
+            </a:camera>
+            <a:lightRig rig="threePt" dir="t">
+              <a:rot lat="0" lon="0" rev="1200000"/>
+            </a:lightRig>
+          </a:scene3d>
+          <a:sp3d>
+            <a:bevelT w="63500" h="25400"/>
+          </a:sp3d>
+        </a:effectStyle>
+      </a:effectStyleLst>
+      <a:bgFillStyleLst>
+        <a:solidFill>
+          <a:schemeClr val="phClr"/>
+        </a:solidFill>
+        <a:gradFill rotWithShape="1">
+          <a:gsLst>
+            <a:gs pos="0">
+              <a:schemeClr val="phClr">
+                <a:tint val="40000"/>
+                <a:satMod val="350000"/>
+              </a:schemeClr>
+            </a:gs>
+            <a:gs pos="40000">
+              <a:schemeClr val="phClr">
+                <a:tint val="45000"/>
+                <a:shade val="99000"/>
+                <a:satMod val="350000"/>
+              </a:schemeClr>
+            </a:gs>
+            <a:gs pos="100000">
+              <a:schemeClr val="phClr">
+                <a:shade val="20000"/>
+                <a:satMod val="255000"/>
+              </a:schemeClr>
+            </a:gs>
+          </a:gsLst>
+          <a:path path="circle">
+            <a:fillToRect l="50000" t="-80000" r="50000" b="180000"/>
+          </a:path>
+        </a:gradFill>
+        <a:gradFill rotWithShape="1">
+          <a:gsLst>
+            <a:gs pos="0">
+              <a:schemeClr val="phClr">
+                <a:tint val="80000"/>
+                <a:satMod val="300000"/>
+              </a:schemeClr>
+            </a:gs>
+            <a:gs pos="100000">
+              <a:schemeClr val="phClr">
+                <a:shade val="30000"/>
+                <a:satMod val="200000"/>
+              </a:schemeClr>
+            </a:gs>
+          </a:gsLst>
+          <a:path path="circle">
+            <a:fillToRect l="50000" t="50000" r="50000" b="50000"/>
+          </a:path>
+        </a:gradFill>
+      </a:bgFillStyleLst>
+    </a:fmtScheme>
+  </a:themeElements>
+  <a:objectDefaults>
+    <a:spDef>
+      <a:spPr/>
+      <a:bodyPr/>
+      <a:lstStyle/>
+      <a:style>
+        <a:lnRef idx="1">
+          <a:schemeClr val="accent1"/>
+        </a:lnRef>
+        <a:fillRef idx="3">
+          <a:schemeClr val="accent1"/>
+        </a:fillRef>
+        <a:effectRef idx="2">
+          <a:schemeClr val="accent1"/>
+        </a:effectRef>
+        <a:fontRef idx="minor">
+          <a:schemeClr val="lt1"/>
+        </a:fontRef>
+      </a:style>
+    </a:spDef>
+    <a:lnDef>
+      <a:spPr/>
+      <a:bodyPr/>
+      <a:lstStyle/>
+      <a:style>
+        <a:lnRef idx="2">
+          <a:schemeClr val="accent1"/>
+        </a:lnRef>
+        <a:fillRef idx="0">
+          <a:schemeClr val="accent1"/>
+        </a:fillRef>
+        <a:effectRef idx="1">
+          <a:schemeClr val="accent1"/>
+        </a:effectRef>
+        <a:fontRef idx="minor">
+          <a:schemeClr val="tx1"/>
+        </a:fontRef>
+      </a:style>
+    </a:lnDef>
+  </a:objectDefaults>
+  <a:extraClrSchemeLst/>
+</a:theme>
 </file>
--- a/doc/paper/image/overview/arch.pptx
+++ b/doc/paper/image/overview/arch.pptx
@@ -4035,48 +4035,18 @@
           <a:p>
             <a:pPr algn="ctr"/>
             <a:r>
+              <a:rPr lang="en-US" altLang="zh-CN" b="1" dirty="0" err="1" smtClean="0"/>
+              <a:t>PiBooster</a:t>
+            </a:r>
+            <a:r>
+              <a:rPr lang="zh-CN" altLang="en-US" b="1" dirty="0" smtClean="0"/>
+              <a:t> </a:t>
+            </a:r>
+            <a:r>
               <a:rPr lang="en-US" b="1" dirty="0" smtClean="0"/>
-              <a:t>Page Table Cache</a:t>
+              <a:t>Cache</a:t>
             </a:r>
             <a:endParaRPr lang="en-US" b="1" dirty="0"/>
-          </a:p>
-        </p:txBody>
-      </p:sp>
-      <p:sp>
-        <p:nvSpPr>
-          <p:cNvPr id="24" name="Left-Right Arrow 23"/>
-          <p:cNvSpPr/>
-          <p:nvPr/>
-        </p:nvSpPr>
-        <p:spPr>
-          <a:xfrm>
-            <a:off x="9462303" y="2304869"/>
-            <a:ext cx="1733724" cy="831813"/>
-          </a:xfrm>
-          <a:prstGeom prst="leftRightArrow">
-            <a:avLst/>
-          </a:prstGeom>
-        </p:spPr>
-        <p:style>
-          <a:lnRef idx="1">
-            <a:schemeClr val="accent1"/>
-          </a:lnRef>
-          <a:fillRef idx="3">
-            <a:schemeClr val="accent1"/>
-          </a:fillRef>
-          <a:effectRef idx="2">
-            <a:schemeClr val="accent1"/>
-          </a:effectRef>
-          <a:fontRef idx="minor">
-            <a:schemeClr val="lt1"/>
-          </a:fontRef>
-        </p:style>
-        <p:txBody>
-          <a:bodyPr rtlCol="0" anchor="ctr"/>
-          <a:lstStyle/>
-          <a:p>
-            <a:pPr algn="ctr"/>
-            <a:endParaRPr lang="en-US"/>
           </a:p>
         </p:txBody>
       </p:sp>
@@ -4982,8 +4952,8 @@
         </p:nvSpPr>
         <p:spPr>
           <a:xfrm>
-            <a:off x="4835181" y="2304869"/>
-            <a:ext cx="1268638" cy="840818"/>
+            <a:off x="4822098" y="2295864"/>
+            <a:ext cx="1253836" cy="687485"/>
           </a:xfrm>
           <a:prstGeom prst="rightArrow">
             <a:avLst/>
@@ -5022,6 +4992,82 @@
           <a:xfrm>
             <a:off x="6510197" y="7913230"/>
             <a:ext cx="786719" cy="656304"/>
+          </a:xfrm>
+          <a:prstGeom prst="rightArrow">
+            <a:avLst/>
+          </a:prstGeom>
+        </p:spPr>
+        <p:style>
+          <a:lnRef idx="1">
+            <a:schemeClr val="accent1"/>
+          </a:lnRef>
+          <a:fillRef idx="3">
+            <a:schemeClr val="accent1"/>
+          </a:fillRef>
+          <a:effectRef idx="2">
+            <a:schemeClr val="accent1"/>
+          </a:effectRef>
+          <a:fontRef idx="minor">
+            <a:schemeClr val="lt1"/>
+          </a:fontRef>
+        </p:style>
+        <p:txBody>
+          <a:bodyPr rtlCol="0" anchor="ctr"/>
+          <a:lstStyle/>
+          <a:p>
+            <a:pPr algn="ctr"/>
+            <a:endParaRPr lang="en-US"/>
+          </a:p>
+        </p:txBody>
+      </p:sp>
+      <p:sp>
+        <p:nvSpPr>
+          <p:cNvPr id="55" name="Right Arrow 54"/>
+          <p:cNvSpPr/>
+          <p:nvPr/>
+        </p:nvSpPr>
+        <p:spPr>
+          <a:xfrm>
+            <a:off x="9709899" y="1922141"/>
+            <a:ext cx="1310206" cy="721196"/>
+          </a:xfrm>
+          <a:prstGeom prst="rightArrow">
+            <a:avLst/>
+          </a:prstGeom>
+        </p:spPr>
+        <p:style>
+          <a:lnRef idx="1">
+            <a:schemeClr val="accent1"/>
+          </a:lnRef>
+          <a:fillRef idx="3">
+            <a:schemeClr val="accent1"/>
+          </a:fillRef>
+          <a:effectRef idx="2">
+            <a:schemeClr val="accent1"/>
+          </a:effectRef>
+          <a:fontRef idx="minor">
+            <a:schemeClr val="lt1"/>
+          </a:fontRef>
+        </p:style>
+        <p:txBody>
+          <a:bodyPr rtlCol="0" anchor="ctr"/>
+          <a:lstStyle/>
+          <a:p>
+            <a:pPr algn="ctr"/>
+            <a:endParaRPr lang="en-US"/>
+          </a:p>
+        </p:txBody>
+      </p:sp>
+      <p:sp>
+        <p:nvSpPr>
+          <p:cNvPr id="58" name="Right Arrow 57"/>
+          <p:cNvSpPr/>
+          <p:nvPr/>
+        </p:nvSpPr>
+        <p:spPr>
+          <a:xfrm rot="10800000">
+            <a:off x="9709899" y="2694812"/>
+            <a:ext cx="1310206" cy="721196"/>
           </a:xfrm>
           <a:prstGeom prst="rightArrow">
             <a:avLst/>

--- a/doc/paper/image/overview/arch.pptx
+++ b/doc/paper/image/overview/arch.pptx
@@ -4495,20 +4495,42 @@
           <a:p>
             <a:pPr algn="ctr"/>
             <a:r>
-              <a:rPr lang="en-US" b="1" dirty="0"/>
+              <a:rPr lang="en-US" b="1" dirty="0" err="1" smtClean="0"/>
+              <a:t>PiBooster</a:t>
+            </a:r>
+            <a:r>
+              <a:rPr lang="zh-CN" altLang="en-US" b="1" dirty="0" smtClean="0"/>
+              <a:t> </a:t>
+            </a:r>
+            <a:r>
+              <a:rPr lang="en-US" altLang="zh-CN" b="1" dirty="0" smtClean="0"/>
+              <a:t>Module</a:t>
+            </a:r>
+            <a:r>
+              <a:rPr lang="zh-CN" altLang="en-US" b="1" dirty="0" smtClean="0"/>
+              <a:t> </a:t>
+            </a:r>
+            <a:endParaRPr lang="en-US" altLang="zh-CN" b="1" dirty="0" smtClean="0"/>
+          </a:p>
+          <a:p>
+            <a:pPr algn="ctr"/>
+            <a:r>
+              <a:rPr lang="zh-CN" altLang="zh-CN" dirty="0"/>
+              <a:t>(</a:t>
+            </a:r>
+            <a:r>
+              <a:rPr lang="en-US" dirty="0" smtClean="0"/>
               <a:t>F</a:t>
             </a:r>
             <a:r>
-              <a:rPr lang="en-US" b="1" dirty="0" smtClean="0"/>
+              <a:rPr lang="en-US" dirty="0" smtClean="0"/>
               <a:t>ine-grained Validation</a:t>
             </a:r>
-          </a:p>
-          <a:p>
-            <a:pPr algn="ctr"/>
-            <a:r>
-              <a:rPr lang="en-US" b="1" dirty="0" smtClean="0"/>
-              <a:t> Module</a:t>
-            </a:r>
+            <a:r>
+              <a:rPr lang="en-US" altLang="zh-CN" dirty="0" smtClean="0"/>
+              <a:t>)</a:t>
+            </a:r>
+            <a:endParaRPr lang="en-US" dirty="0" smtClean="0"/>
           </a:p>
         </p:txBody>
       </p:sp>
@@ -4880,11 +4902,7 @@
           <a:prstGeom prst="roundRect">
             <a:avLst/>
           </a:prstGeom>
-          <a:solidFill>
-            <a:schemeClr val="bg1">
-              <a:lumMod val="85000"/>
-            </a:schemeClr>
-          </a:solidFill>
+          <a:noFill/>
           <a:ln>
             <a:solidFill>
               <a:srgbClr val="000000"/>
@@ -4922,7 +4940,7 @@
         </p:nvSpPr>
         <p:spPr>
           <a:xfrm>
-            <a:off x="11309630" y="7533088"/>
+            <a:off x="11363981" y="7588364"/>
             <a:ext cx="1978041" cy="569387"/>
           </a:xfrm>
           <a:prstGeom prst="rect">

--- a/doc/paper/image/overview/arch.pptx
+++ b/doc/paper/image/overview/arch.pptx
@@ -4976,6 +4976,14 @@
           <a:prstGeom prst="rightArrow">
             <a:avLst/>
           </a:prstGeom>
+          <a:solidFill>
+            <a:srgbClr val="FFFFFF"/>
+          </a:solidFill>
+          <a:ln>
+            <a:solidFill>
+              <a:schemeClr val="tx1"/>
+            </a:solidFill>
+          </a:ln>
         </p:spPr>
         <p:style>
           <a:lnRef idx="1">
@@ -5014,6 +5022,14 @@
           <a:prstGeom prst="rightArrow">
             <a:avLst/>
           </a:prstGeom>
+          <a:solidFill>
+            <a:srgbClr val="FFFFFF"/>
+          </a:solidFill>
+          <a:ln>
+            <a:solidFill>
+              <a:srgbClr val="000000"/>
+            </a:solidFill>
+          </a:ln>
         </p:spPr>
         <p:style>
           <a:lnRef idx="1">
@@ -5052,6 +5068,14 @@
           <a:prstGeom prst="rightArrow">
             <a:avLst/>
           </a:prstGeom>
+          <a:solidFill>
+            <a:srgbClr val="FFFFFF"/>
+          </a:solidFill>
+          <a:ln>
+            <a:solidFill>
+              <a:srgbClr val="000000"/>
+            </a:solidFill>
+          </a:ln>
         </p:spPr>
         <p:style>
           <a:lnRef idx="1">
@@ -5090,6 +5114,14 @@
           <a:prstGeom prst="rightArrow">
             <a:avLst/>
           </a:prstGeom>
+          <a:solidFill>
+            <a:srgbClr val="FFFFFF"/>
+          </a:solidFill>
+          <a:ln>
+            <a:solidFill>
+              <a:srgbClr val="000000"/>
+            </a:solidFill>
+          </a:ln>
         </p:spPr>
         <p:style>
           <a:lnRef idx="1">

--- a/doc/paper/image/overview/arch.pptx
+++ b/doc/paper/image/overview/arch.pptx
@@ -4296,7 +4296,7 @@
         </p:nvSpPr>
         <p:spPr>
           <a:xfrm>
-            <a:off x="7067332" y="5345235"/>
+            <a:off x="7168051" y="5345235"/>
             <a:ext cx="6329188" cy="1107546"/>
           </a:xfrm>
           <a:prstGeom prst="roundRect">
@@ -4479,7 +4479,7 @@
         </p:nvSpPr>
         <p:spPr>
           <a:xfrm>
-            <a:off x="7067332" y="5375060"/>
+            <a:off x="7168051" y="5375060"/>
             <a:ext cx="6308704" cy="1046440"/>
           </a:xfrm>
           <a:prstGeom prst="rect">
@@ -4542,7 +4542,7 @@
         </p:nvSpPr>
         <p:spPr>
           <a:xfrm>
-            <a:off x="10609036" y="7087817"/>
+            <a:off x="10807591" y="7176756"/>
             <a:ext cx="3382230" cy="1802682"/>
           </a:xfrm>
           <a:prstGeom prst="ellipse">
@@ -4588,7 +4588,7 @@
         </p:nvSpPr>
         <p:spPr>
           <a:xfrm>
-            <a:off x="10954436" y="8241382"/>
+            <a:off x="11152991" y="8312667"/>
             <a:ext cx="2712754" cy="569387"/>
           </a:xfrm>
           <a:prstGeom prst="rect">
@@ -4618,7 +4618,7 @@
         </p:nvCxnSpPr>
         <p:spPr>
           <a:xfrm>
-            <a:off x="12300912" y="6421500"/>
+            <a:off x="12466194" y="6499386"/>
             <a:ext cx="0" cy="1072626"/>
           </a:xfrm>
           <a:prstGeom prst="straightConnector1">
@@ -4652,251 +4652,13 @@
       </p:cxnSp>
       <p:sp>
         <p:nvSpPr>
-          <p:cNvPr id="46" name="Rectangle 45"/>
-          <p:cNvSpPr/>
-          <p:nvPr/>
-        </p:nvSpPr>
-        <p:spPr>
-          <a:xfrm>
-            <a:off x="1248905" y="7359916"/>
-            <a:ext cx="8053340" cy="1469127"/>
-          </a:xfrm>
-          <a:prstGeom prst="rect">
-            <a:avLst/>
-          </a:prstGeom>
-          <a:noFill/>
-          <a:ln>
-            <a:solidFill>
-              <a:schemeClr val="tx1"/>
-            </a:solidFill>
-            <a:prstDash val="dash"/>
-          </a:ln>
-        </p:spPr>
-        <p:style>
-          <a:lnRef idx="1">
-            <a:schemeClr val="accent1"/>
-          </a:lnRef>
-          <a:fillRef idx="3">
-            <a:schemeClr val="accent1"/>
-          </a:fillRef>
-          <a:effectRef idx="2">
-            <a:schemeClr val="accent1"/>
-          </a:effectRef>
-          <a:fontRef idx="minor">
-            <a:schemeClr val="lt1"/>
-          </a:fontRef>
-        </p:style>
-        <p:txBody>
-          <a:bodyPr rtlCol="0" anchor="ctr"/>
-          <a:lstStyle/>
-          <a:p>
-            <a:pPr algn="ctr"/>
-            <a:endParaRPr lang="en-US"/>
-          </a:p>
-        </p:txBody>
-      </p:sp>
-      <p:sp>
-        <p:nvSpPr>
-          <p:cNvPr id="47" name="TextBox 46"/>
-          <p:cNvSpPr txBox="1"/>
-          <p:nvPr/>
-        </p:nvSpPr>
-        <p:spPr>
-          <a:xfrm>
-            <a:off x="7296916" y="7715364"/>
-            <a:ext cx="1964359" cy="954107"/>
-          </a:xfrm>
-          <a:prstGeom prst="rect">
-            <a:avLst/>
-          </a:prstGeom>
-          <a:noFill/>
-        </p:spPr>
-        <p:txBody>
-          <a:bodyPr wrap="square" rtlCol="0">
-            <a:spAutoFit/>
-          </a:bodyPr>
-          <a:lstStyle/>
-          <a:p>
-            <a:pPr algn="ctr"/>
-            <a:r>
-              <a:rPr lang="en-US" sz="2800" dirty="0" smtClean="0"/>
-              <a:t>Page Type </a:t>
-            </a:r>
-          </a:p>
-          <a:p>
-            <a:pPr algn="ctr"/>
-            <a:r>
-              <a:rPr lang="en-US" sz="2800" dirty="0" smtClean="0"/>
-              <a:t>Update</a:t>
-            </a:r>
-            <a:endParaRPr lang="en-US" sz="2800" dirty="0"/>
-          </a:p>
-        </p:txBody>
-      </p:sp>
-      <p:cxnSp>
-        <p:nvCxnSpPr>
-          <p:cNvPr id="48" name="Straight Arrow Connector 47"/>
-          <p:cNvCxnSpPr/>
-          <p:nvPr/>
-        </p:nvCxnSpPr>
-        <p:spPr>
-          <a:xfrm flipH="1">
-            <a:off x="1397963" y="8427023"/>
-            <a:ext cx="843831" cy="0"/>
-          </a:xfrm>
-          <a:prstGeom prst="straightConnector1">
-            <a:avLst/>
-          </a:prstGeom>
-          <a:ln w="57150" cmpd="sng">
-            <a:solidFill>
-              <a:schemeClr val="tx1"/>
-            </a:solidFill>
-            <a:headEnd type="arrow"/>
-            <a:tailEnd type="arrow"/>
-          </a:ln>
-        </p:spPr>
-        <p:style>
-          <a:lnRef idx="2">
-            <a:schemeClr val="accent1"/>
-          </a:lnRef>
-          <a:fillRef idx="0">
-            <a:schemeClr val="accent1"/>
-          </a:fillRef>
-          <a:effectRef idx="1">
-            <a:schemeClr val="accent1"/>
-          </a:effectRef>
-          <a:fontRef idx="minor">
-            <a:schemeClr val="tx1"/>
-          </a:fontRef>
-        </p:style>
-      </p:cxnSp>
-      <p:sp>
-        <p:nvSpPr>
-          <p:cNvPr id="52" name="TextBox 51"/>
-          <p:cNvSpPr txBox="1"/>
-          <p:nvPr/>
-        </p:nvSpPr>
-        <p:spPr>
-          <a:xfrm>
-            <a:off x="2148374" y="8165413"/>
-            <a:ext cx="4165260" cy="523220"/>
-          </a:xfrm>
-          <a:prstGeom prst="rect">
-            <a:avLst/>
-          </a:prstGeom>
-          <a:noFill/>
-        </p:spPr>
-        <p:txBody>
-          <a:bodyPr wrap="square" rtlCol="0">
-            <a:spAutoFit/>
-          </a:bodyPr>
-          <a:lstStyle/>
-          <a:p>
-            <a:pPr algn="ctr"/>
-            <a:r>
-              <a:rPr lang="en-US" altLang="zh-CN" sz="2800" dirty="0" smtClean="0"/>
-              <a:t>Communication</a:t>
-            </a:r>
-            <a:r>
-              <a:rPr lang="zh-CN" altLang="en-US" sz="2800" dirty="0" smtClean="0"/>
-              <a:t> </a:t>
-            </a:r>
-            <a:r>
-              <a:rPr lang="en-US" sz="2800" dirty="0" smtClean="0"/>
-              <a:t>Channel</a:t>
-            </a:r>
-            <a:endParaRPr lang="en-US" sz="2800" dirty="0"/>
-          </a:p>
-        </p:txBody>
-      </p:sp>
-      <p:cxnSp>
-        <p:nvCxnSpPr>
-          <p:cNvPr id="53" name="Straight Arrow Connector 52"/>
-          <p:cNvCxnSpPr/>
-          <p:nvPr/>
-        </p:nvCxnSpPr>
-        <p:spPr>
-          <a:xfrm>
-            <a:off x="1397963" y="7770719"/>
-            <a:ext cx="843831" cy="0"/>
-          </a:xfrm>
-          <a:prstGeom prst="straightConnector1">
-            <a:avLst/>
-          </a:prstGeom>
-          <a:ln w="57150" cmpd="sng">
-            <a:solidFill>
-              <a:schemeClr val="bg1">
-                <a:lumMod val="50000"/>
-              </a:schemeClr>
-            </a:solidFill>
-            <a:prstDash val="sysDash"/>
-            <a:headEnd type="none"/>
-            <a:tailEnd type="arrow"/>
-          </a:ln>
-        </p:spPr>
-        <p:style>
-          <a:lnRef idx="2">
-            <a:schemeClr val="accent1"/>
-          </a:lnRef>
-          <a:fillRef idx="0">
-            <a:schemeClr val="accent1"/>
-          </a:fillRef>
-          <a:effectRef idx="1">
-            <a:schemeClr val="accent1"/>
-          </a:effectRef>
-          <a:fontRef idx="minor">
-            <a:schemeClr val="tx1"/>
-          </a:fontRef>
-        </p:style>
-      </p:cxnSp>
-      <p:sp>
-        <p:nvSpPr>
-          <p:cNvPr id="56" name="TextBox 55"/>
-          <p:cNvSpPr txBox="1"/>
-          <p:nvPr/>
-        </p:nvSpPr>
-        <p:spPr>
-          <a:xfrm>
-            <a:off x="2271283" y="7566773"/>
-            <a:ext cx="3745691" cy="523220"/>
-          </a:xfrm>
-          <a:prstGeom prst="rect">
-            <a:avLst/>
-          </a:prstGeom>
-          <a:noFill/>
-        </p:spPr>
-        <p:txBody>
-          <a:bodyPr wrap="square" rtlCol="0">
-            <a:spAutoFit/>
-          </a:bodyPr>
-          <a:lstStyle/>
-          <a:p>
-            <a:pPr algn="ctr"/>
-            <a:r>
-              <a:rPr lang="en-US" altLang="zh-CN" sz="2800" dirty="0" smtClean="0"/>
-              <a:t>Vanished</a:t>
-            </a:r>
-            <a:r>
-              <a:rPr lang="zh-CN" altLang="en-US" sz="2800" dirty="0" smtClean="0"/>
-              <a:t> </a:t>
-            </a:r>
-            <a:r>
-              <a:rPr lang="en-US" sz="2800" dirty="0" smtClean="0"/>
-              <a:t>Channel</a:t>
-            </a:r>
-            <a:endParaRPr lang="en-US" sz="2800" dirty="0"/>
-          </a:p>
-        </p:txBody>
-      </p:sp>
-      <p:sp>
-        <p:nvSpPr>
           <p:cNvPr id="49" name="Rounded Rectangle 48"/>
           <p:cNvSpPr/>
           <p:nvPr/>
         </p:nvSpPr>
         <p:spPr>
           <a:xfrm>
-            <a:off x="11330116" y="7525407"/>
+            <a:off x="11592172" y="7635513"/>
             <a:ext cx="1978041" cy="624453"/>
           </a:xfrm>
           <a:prstGeom prst="roundRect">
@@ -4940,7 +4702,7 @@
         </p:nvSpPr>
         <p:spPr>
           <a:xfrm>
-            <a:off x="11363981" y="7588364"/>
+            <a:off x="11500827" y="7698470"/>
             <a:ext cx="1978041" cy="569387"/>
           </a:xfrm>
           <a:prstGeom prst="rect">
@@ -5008,52 +4770,305 @@
           </a:p>
         </p:txBody>
       </p:sp>
-      <p:sp>
-        <p:nvSpPr>
-          <p:cNvPr id="54" name="Right Arrow 53"/>
-          <p:cNvSpPr/>
+      <p:grpSp>
+        <p:nvGrpSpPr>
+          <p:cNvPr id="51" name="Group 50"/>
+          <p:cNvGrpSpPr/>
           <p:nvPr/>
-        </p:nvSpPr>
-        <p:spPr>
-          <a:xfrm>
-            <a:off x="6510197" y="7913230"/>
-            <a:ext cx="786719" cy="656304"/>
-          </a:xfrm>
-          <a:prstGeom prst="rightArrow">
-            <a:avLst/>
-          </a:prstGeom>
-          <a:solidFill>
-            <a:srgbClr val="FFFFFF"/>
-          </a:solidFill>
-          <a:ln>
+        </p:nvGrpSpPr>
+        <p:grpSpPr>
+          <a:xfrm>
+            <a:off x="1248905" y="7287806"/>
+            <a:ext cx="8053340" cy="1469127"/>
+            <a:chOff x="1248905" y="7359916"/>
+            <a:chExt cx="8053340" cy="1469127"/>
+          </a:xfrm>
+        </p:grpSpPr>
+        <p:sp>
+          <p:nvSpPr>
+            <p:cNvPr id="46" name="Rectangle 45"/>
+            <p:cNvSpPr/>
+            <p:nvPr/>
+          </p:nvSpPr>
+          <p:spPr>
+            <a:xfrm>
+              <a:off x="1248905" y="7359916"/>
+              <a:ext cx="8053340" cy="1469127"/>
+            </a:xfrm>
+            <a:prstGeom prst="rect">
+              <a:avLst/>
+            </a:prstGeom>
+            <a:noFill/>
+            <a:ln>
+              <a:solidFill>
+                <a:schemeClr val="tx1"/>
+              </a:solidFill>
+              <a:prstDash val="dash"/>
+            </a:ln>
+          </p:spPr>
+          <p:style>
+            <a:lnRef idx="1">
+              <a:schemeClr val="accent1"/>
+            </a:lnRef>
+            <a:fillRef idx="3">
+              <a:schemeClr val="accent1"/>
+            </a:fillRef>
+            <a:effectRef idx="2">
+              <a:schemeClr val="accent1"/>
+            </a:effectRef>
+            <a:fontRef idx="minor">
+              <a:schemeClr val="lt1"/>
+            </a:fontRef>
+          </p:style>
+          <p:txBody>
+            <a:bodyPr rtlCol="0" anchor="ctr"/>
+            <a:lstStyle/>
+            <a:p>
+              <a:pPr algn="ctr"/>
+              <a:endParaRPr lang="en-US"/>
+            </a:p>
+          </p:txBody>
+        </p:sp>
+        <p:sp>
+          <p:nvSpPr>
+            <p:cNvPr id="47" name="TextBox 46"/>
+            <p:cNvSpPr txBox="1"/>
+            <p:nvPr/>
+          </p:nvSpPr>
+          <p:spPr>
+            <a:xfrm>
+              <a:off x="7296916" y="7715364"/>
+              <a:ext cx="1964359" cy="954107"/>
+            </a:xfrm>
+            <a:prstGeom prst="rect">
+              <a:avLst/>
+            </a:prstGeom>
+            <a:noFill/>
+          </p:spPr>
+          <p:txBody>
+            <a:bodyPr wrap="square" rtlCol="0">
+              <a:spAutoFit/>
+            </a:bodyPr>
+            <a:lstStyle/>
+            <a:p>
+              <a:pPr algn="ctr"/>
+              <a:r>
+                <a:rPr lang="en-US" sz="2800" dirty="0" smtClean="0"/>
+                <a:t>Page Type </a:t>
+              </a:r>
+            </a:p>
+            <a:p>
+              <a:pPr algn="ctr"/>
+              <a:r>
+                <a:rPr lang="en-US" sz="2800" dirty="0" smtClean="0"/>
+                <a:t>Update</a:t>
+              </a:r>
+              <a:endParaRPr lang="en-US" sz="2800" dirty="0"/>
+            </a:p>
+          </p:txBody>
+        </p:sp>
+        <p:cxnSp>
+          <p:nvCxnSpPr>
+            <p:cNvPr id="48" name="Straight Arrow Connector 47"/>
+            <p:cNvCxnSpPr/>
+            <p:nvPr/>
+          </p:nvCxnSpPr>
+          <p:spPr>
+            <a:xfrm flipH="1">
+              <a:off x="1397963" y="8427023"/>
+              <a:ext cx="843831" cy="0"/>
+            </a:xfrm>
+            <a:prstGeom prst="straightConnector1">
+              <a:avLst/>
+            </a:prstGeom>
+            <a:ln w="57150" cmpd="sng">
+              <a:solidFill>
+                <a:schemeClr val="tx1"/>
+              </a:solidFill>
+              <a:headEnd type="arrow"/>
+              <a:tailEnd type="arrow"/>
+            </a:ln>
+          </p:spPr>
+          <p:style>
+            <a:lnRef idx="2">
+              <a:schemeClr val="accent1"/>
+            </a:lnRef>
+            <a:fillRef idx="0">
+              <a:schemeClr val="accent1"/>
+            </a:fillRef>
+            <a:effectRef idx="1">
+              <a:schemeClr val="accent1"/>
+            </a:effectRef>
+            <a:fontRef idx="minor">
+              <a:schemeClr val="tx1"/>
+            </a:fontRef>
+          </p:style>
+        </p:cxnSp>
+        <p:sp>
+          <p:nvSpPr>
+            <p:cNvPr id="52" name="TextBox 51"/>
+            <p:cNvSpPr txBox="1"/>
+            <p:nvPr/>
+          </p:nvSpPr>
+          <p:spPr>
+            <a:xfrm>
+              <a:off x="2148374" y="8165413"/>
+              <a:ext cx="4165260" cy="523220"/>
+            </a:xfrm>
+            <a:prstGeom prst="rect">
+              <a:avLst/>
+            </a:prstGeom>
+            <a:noFill/>
+          </p:spPr>
+          <p:txBody>
+            <a:bodyPr wrap="square" rtlCol="0">
+              <a:spAutoFit/>
+            </a:bodyPr>
+            <a:lstStyle/>
+            <a:p>
+              <a:pPr algn="ctr"/>
+              <a:r>
+                <a:rPr lang="en-US" altLang="zh-CN" sz="2800" dirty="0" smtClean="0"/>
+                <a:t>Communication</a:t>
+              </a:r>
+              <a:r>
+                <a:rPr lang="zh-CN" altLang="en-US" sz="2800" dirty="0" smtClean="0"/>
+                <a:t> </a:t>
+              </a:r>
+              <a:r>
+                <a:rPr lang="en-US" sz="2800" dirty="0" smtClean="0"/>
+                <a:t>Channel</a:t>
+              </a:r>
+              <a:endParaRPr lang="en-US" sz="2800" dirty="0"/>
+            </a:p>
+          </p:txBody>
+        </p:sp>
+        <p:cxnSp>
+          <p:nvCxnSpPr>
+            <p:cNvPr id="53" name="Straight Arrow Connector 52"/>
+            <p:cNvCxnSpPr/>
+            <p:nvPr/>
+          </p:nvCxnSpPr>
+          <p:spPr>
+            <a:xfrm>
+              <a:off x="1397963" y="7770719"/>
+              <a:ext cx="843831" cy="0"/>
+            </a:xfrm>
+            <a:prstGeom prst="straightConnector1">
+              <a:avLst/>
+            </a:prstGeom>
+            <a:ln w="57150" cmpd="sng">
+              <a:solidFill>
+                <a:schemeClr val="bg1">
+                  <a:lumMod val="50000"/>
+                </a:schemeClr>
+              </a:solidFill>
+              <a:prstDash val="sysDash"/>
+              <a:headEnd type="none"/>
+              <a:tailEnd type="arrow"/>
+            </a:ln>
+          </p:spPr>
+          <p:style>
+            <a:lnRef idx="2">
+              <a:schemeClr val="accent1"/>
+            </a:lnRef>
+            <a:fillRef idx="0">
+              <a:schemeClr val="accent1"/>
+            </a:fillRef>
+            <a:effectRef idx="1">
+              <a:schemeClr val="accent1"/>
+            </a:effectRef>
+            <a:fontRef idx="minor">
+              <a:schemeClr val="tx1"/>
+            </a:fontRef>
+          </p:style>
+        </p:cxnSp>
+        <p:sp>
+          <p:nvSpPr>
+            <p:cNvPr id="56" name="TextBox 55"/>
+            <p:cNvSpPr txBox="1"/>
+            <p:nvPr/>
+          </p:nvSpPr>
+          <p:spPr>
+            <a:xfrm>
+              <a:off x="2271283" y="7566773"/>
+              <a:ext cx="3745691" cy="523220"/>
+            </a:xfrm>
+            <a:prstGeom prst="rect">
+              <a:avLst/>
+            </a:prstGeom>
+            <a:noFill/>
+          </p:spPr>
+          <p:txBody>
+            <a:bodyPr wrap="square" rtlCol="0">
+              <a:spAutoFit/>
+            </a:bodyPr>
+            <a:lstStyle/>
+            <a:p>
+              <a:pPr algn="ctr"/>
+              <a:r>
+                <a:rPr lang="en-US" altLang="zh-CN" sz="2800" dirty="0" smtClean="0"/>
+                <a:t>Vanished</a:t>
+              </a:r>
+              <a:r>
+                <a:rPr lang="zh-CN" altLang="en-US" sz="2800" dirty="0" smtClean="0"/>
+                <a:t> </a:t>
+              </a:r>
+              <a:r>
+                <a:rPr lang="en-US" sz="2800" dirty="0" smtClean="0"/>
+                <a:t>Channel</a:t>
+              </a:r>
+              <a:endParaRPr lang="en-US" sz="2800" dirty="0"/>
+            </a:p>
+          </p:txBody>
+        </p:sp>
+        <p:sp>
+          <p:nvSpPr>
+            <p:cNvPr id="54" name="Right Arrow 53"/>
+            <p:cNvSpPr/>
+            <p:nvPr/>
+          </p:nvSpPr>
+          <p:spPr>
+            <a:xfrm>
+              <a:off x="6510197" y="7913230"/>
+              <a:ext cx="786719" cy="656304"/>
+            </a:xfrm>
+            <a:prstGeom prst="rightArrow">
+              <a:avLst/>
+            </a:prstGeom>
             <a:solidFill>
-              <a:srgbClr val="000000"/>
+              <a:srgbClr val="FFFFFF"/>
             </a:solidFill>
-          </a:ln>
-        </p:spPr>
-        <p:style>
-          <a:lnRef idx="1">
-            <a:schemeClr val="accent1"/>
-          </a:lnRef>
-          <a:fillRef idx="3">
-            <a:schemeClr val="accent1"/>
-          </a:fillRef>
-          <a:effectRef idx="2">
-            <a:schemeClr val="accent1"/>
-          </a:effectRef>
-          <a:fontRef idx="minor">
-            <a:schemeClr val="lt1"/>
-          </a:fontRef>
-        </p:style>
-        <p:txBody>
-          <a:bodyPr rtlCol="0" anchor="ctr"/>
-          <a:lstStyle/>
-          <a:p>
-            <a:pPr algn="ctr"/>
-            <a:endParaRPr lang="en-US"/>
-          </a:p>
-        </p:txBody>
-      </p:sp>
+            <a:ln>
+              <a:solidFill>
+                <a:srgbClr val="000000"/>
+              </a:solidFill>
+            </a:ln>
+          </p:spPr>
+          <p:style>
+            <a:lnRef idx="1">
+              <a:schemeClr val="accent1"/>
+            </a:lnRef>
+            <a:fillRef idx="3">
+              <a:schemeClr val="accent1"/>
+            </a:fillRef>
+            <a:effectRef idx="2">
+              <a:schemeClr val="accent1"/>
+            </a:effectRef>
+            <a:fontRef idx="minor">
+              <a:schemeClr val="lt1"/>
+            </a:fontRef>
+          </p:style>
+          <p:txBody>
+            <a:bodyPr rtlCol="0" anchor="ctr"/>
+            <a:lstStyle/>
+            <a:p>
+              <a:pPr algn="ctr"/>
+              <a:endParaRPr lang="en-US"/>
+            </a:p>
+          </p:txBody>
+        </p:sp>
+      </p:grpSp>
       <p:sp>
         <p:nvSpPr>
           <p:cNvPr id="55" name="Right Arrow 54"/>

--- a/doc/paper/image/overview/arch.pptx
+++ b/doc/paper/image/overview/arch.pptx
@@ -3633,7 +3633,7 @@
         </p:nvSpPr>
         <p:spPr>
           <a:xfrm>
-            <a:off x="5449016" y="758422"/>
+            <a:off x="5576018" y="758422"/>
             <a:ext cx="4915721" cy="3256641"/>
           </a:xfrm>
           <a:prstGeom prst="roundRect">
@@ -3681,7 +3681,7 @@
         </p:nvSpPr>
         <p:spPr>
           <a:xfrm>
-            <a:off x="6252608" y="1555884"/>
+            <a:off x="6379610" y="1555884"/>
             <a:ext cx="2904895" cy="1724193"/>
           </a:xfrm>
           <a:prstGeom prst="rect">
@@ -3727,7 +3727,7 @@
         </p:nvSpPr>
         <p:spPr>
           <a:xfrm>
-            <a:off x="6405008" y="1708284"/>
+            <a:off x="6532010" y="1708284"/>
             <a:ext cx="2904895" cy="1724193"/>
           </a:xfrm>
           <a:prstGeom prst="rect">
@@ -3773,7 +3773,7 @@
         </p:nvSpPr>
         <p:spPr>
           <a:xfrm>
-            <a:off x="6557408" y="1860684"/>
+            <a:off x="6684410" y="1860684"/>
             <a:ext cx="2904895" cy="1724193"/>
           </a:xfrm>
           <a:prstGeom prst="rect">
@@ -3819,7 +3819,7 @@
         </p:nvSpPr>
         <p:spPr>
           <a:xfrm>
-            <a:off x="6557408" y="2233637"/>
+            <a:off x="6684410" y="2233637"/>
             <a:ext cx="2904895" cy="1046440"/>
           </a:xfrm>
           <a:prstGeom prst="rect">
@@ -3850,7 +3850,7 @@
         </p:nvSpPr>
         <p:spPr>
           <a:xfrm>
-            <a:off x="11196027" y="1617341"/>
+            <a:off x="11323029" y="1617341"/>
             <a:ext cx="2904895" cy="1724193"/>
           </a:xfrm>
           <a:prstGeom prst="rect">
@@ -3896,7 +3896,7 @@
         </p:nvSpPr>
         <p:spPr>
           <a:xfrm>
-            <a:off x="11348427" y="1769741"/>
+            <a:off x="11475429" y="1769741"/>
             <a:ext cx="2904895" cy="1724193"/>
           </a:xfrm>
           <a:prstGeom prst="rect">
@@ -3942,7 +3942,7 @@
         </p:nvSpPr>
         <p:spPr>
           <a:xfrm>
-            <a:off x="11500827" y="1922141"/>
+            <a:off x="11627829" y="1922141"/>
             <a:ext cx="2904895" cy="1724193"/>
           </a:xfrm>
           <a:prstGeom prst="rect">
@@ -3988,7 +3988,7 @@
         </p:nvSpPr>
         <p:spPr>
           <a:xfrm>
-            <a:off x="11500827" y="2304869"/>
+            <a:off x="11627829" y="2304869"/>
             <a:ext cx="2904895" cy="1046440"/>
           </a:xfrm>
           <a:prstGeom prst="rect">
@@ -4019,7 +4019,7 @@
         </p:nvSpPr>
         <p:spPr>
           <a:xfrm>
-            <a:off x="5295750" y="767722"/>
+            <a:off x="5422752" y="767722"/>
             <a:ext cx="5068987" cy="569387"/>
           </a:xfrm>
           <a:prstGeom prst="rect">
@@ -4089,7 +4089,7 @@
         </p:nvSpPr>
         <p:spPr>
           <a:xfrm>
-            <a:off x="1397660" y="1608336"/>
+            <a:off x="1524662" y="1608336"/>
             <a:ext cx="2904895" cy="1724193"/>
           </a:xfrm>
           <a:prstGeom prst="rect">
@@ -4135,7 +4135,7 @@
         </p:nvSpPr>
         <p:spPr>
           <a:xfrm>
-            <a:off x="1550060" y="1760736"/>
+            <a:off x="1677062" y="1760736"/>
             <a:ext cx="2904895" cy="1724193"/>
           </a:xfrm>
           <a:prstGeom prst="rect">
@@ -4181,7 +4181,7 @@
         </p:nvSpPr>
         <p:spPr>
           <a:xfrm>
-            <a:off x="1702460" y="1913136"/>
+            <a:off x="1829462" y="1913136"/>
             <a:ext cx="2904895" cy="1724193"/>
           </a:xfrm>
           <a:prstGeom prst="rect">
@@ -4227,7 +4227,7 @@
         </p:nvSpPr>
         <p:spPr>
           <a:xfrm>
-            <a:off x="1702460" y="2295864"/>
+            <a:off x="1829462" y="2295864"/>
             <a:ext cx="2904895" cy="1046440"/>
           </a:xfrm>
           <a:prstGeom prst="rect">
@@ -4542,7 +4542,7 @@
         </p:nvSpPr>
         <p:spPr>
           <a:xfrm>
-            <a:off x="10807591" y="7176756"/>
+            <a:off x="10849925" y="7176756"/>
             <a:ext cx="3382230" cy="1802682"/>
           </a:xfrm>
           <a:prstGeom prst="ellipse">
@@ -4588,7 +4588,7 @@
         </p:nvSpPr>
         <p:spPr>
           <a:xfrm>
-            <a:off x="11152991" y="8312667"/>
+            <a:off x="11195325" y="8312667"/>
             <a:ext cx="2712754" cy="569387"/>
           </a:xfrm>
           <a:prstGeom prst="rect">
@@ -4618,7 +4618,7 @@
         </p:nvCxnSpPr>
         <p:spPr>
           <a:xfrm>
-            <a:off x="12466194" y="6499386"/>
+            <a:off x="12593196" y="6499386"/>
             <a:ext cx="0" cy="1072626"/>
           </a:xfrm>
           <a:prstGeom prst="straightConnector1">
@@ -4658,7 +4658,7 @@
         </p:nvSpPr>
         <p:spPr>
           <a:xfrm>
-            <a:off x="11592172" y="7635513"/>
+            <a:off x="11634506" y="7635513"/>
             <a:ext cx="1978041" cy="624453"/>
           </a:xfrm>
           <a:prstGeom prst="roundRect">
@@ -4702,7 +4702,7 @@
         </p:nvSpPr>
         <p:spPr>
           <a:xfrm>
-            <a:off x="11500827" y="7698470"/>
+            <a:off x="11543161" y="7698470"/>
             <a:ext cx="1978041" cy="569387"/>
           </a:xfrm>
           <a:prstGeom prst="rect">
@@ -4732,7 +4732,7 @@
         </p:nvSpPr>
         <p:spPr>
           <a:xfrm>
-            <a:off x="4822098" y="2295864"/>
+            <a:off x="4949100" y="2295864"/>
             <a:ext cx="1253836" cy="687485"/>
           </a:xfrm>
           <a:prstGeom prst="rightArrow">
@@ -5077,7 +5077,7 @@
         </p:nvSpPr>
         <p:spPr>
           <a:xfrm>
-            <a:off x="9709899" y="1922141"/>
+            <a:off x="9836901" y="1922141"/>
             <a:ext cx="1310206" cy="721196"/>
           </a:xfrm>
           <a:prstGeom prst="rightArrow">
@@ -5123,7 +5123,7 @@
         </p:nvSpPr>
         <p:spPr>
           <a:xfrm rot="10800000">
-            <a:off x="9709899" y="2694812"/>
+            <a:off x="9836901" y="2694812"/>
             <a:ext cx="1310206" cy="721196"/>
           </a:xfrm>
           <a:prstGeom prst="rightArrow">

--- a/doc/paper/image/overview/arch.pptx
+++ b/doc/paper/image/overview/arch.pptx
@@ -192,7 +192,7 @@
           <a:p>
             <a:fld id="{33707FC8-A5DC-874B-A1ED-E997D0D5CB60}" type="datetimeFigureOut">
               <a:rPr lang="en-US" smtClean="0"/>
-              <a:t>3/20/15</a:t>
+              <a:t>3/23/15</a:t>
             </a:fld>
             <a:endParaRPr lang="en-US"/>
           </a:p>
@@ -725,7 +725,7 @@
           <a:p>
             <a:fld id="{7EFD3CFC-761F-2644-A71A-F1A41A0D2BAE}" type="datetimeFigureOut">
               <a:rPr lang="en-US" smtClean="0"/>
-              <a:t>3/20/15</a:t>
+              <a:t>3/23/15</a:t>
             </a:fld>
             <a:endParaRPr lang="en-US"/>
           </a:p>
@@ -895,7 +895,7 @@
           <a:p>
             <a:fld id="{7EFD3CFC-761F-2644-A71A-F1A41A0D2BAE}" type="datetimeFigureOut">
               <a:rPr lang="en-US" smtClean="0"/>
-              <a:t>3/20/15</a:t>
+              <a:t>3/23/15</a:t>
             </a:fld>
             <a:endParaRPr lang="en-US"/>
           </a:p>
@@ -1075,7 +1075,7 @@
           <a:p>
             <a:fld id="{7EFD3CFC-761F-2644-A71A-F1A41A0D2BAE}" type="datetimeFigureOut">
               <a:rPr lang="en-US" smtClean="0"/>
-              <a:t>3/20/15</a:t>
+              <a:t>3/23/15</a:t>
             </a:fld>
             <a:endParaRPr lang="en-US"/>
           </a:p>
@@ -1245,7 +1245,7 @@
           <a:p>
             <a:fld id="{7EFD3CFC-761F-2644-A71A-F1A41A0D2BAE}" type="datetimeFigureOut">
               <a:rPr lang="en-US" smtClean="0"/>
-              <a:t>3/20/15</a:t>
+              <a:t>3/23/15</a:t>
             </a:fld>
             <a:endParaRPr lang="en-US"/>
           </a:p>
@@ -1491,7 +1491,7 @@
           <a:p>
             <a:fld id="{7EFD3CFC-761F-2644-A71A-F1A41A0D2BAE}" type="datetimeFigureOut">
               <a:rPr lang="en-US" smtClean="0"/>
-              <a:t>3/20/15</a:t>
+              <a:t>3/23/15</a:t>
             </a:fld>
             <a:endParaRPr lang="en-US"/>
           </a:p>
@@ -1779,7 +1779,7 @@
           <a:p>
             <a:fld id="{7EFD3CFC-761F-2644-A71A-F1A41A0D2BAE}" type="datetimeFigureOut">
               <a:rPr lang="en-US" smtClean="0"/>
-              <a:t>3/20/15</a:t>
+              <a:t>3/23/15</a:t>
             </a:fld>
             <a:endParaRPr lang="en-US"/>
           </a:p>
@@ -2206,7 +2206,7 @@
           <a:p>
             <a:fld id="{7EFD3CFC-761F-2644-A71A-F1A41A0D2BAE}" type="datetimeFigureOut">
               <a:rPr lang="en-US" smtClean="0"/>
-              <a:t>3/20/15</a:t>
+              <a:t>3/23/15</a:t>
             </a:fld>
             <a:endParaRPr lang="en-US"/>
           </a:p>
@@ -2324,7 +2324,7 @@
           <a:p>
             <a:fld id="{7EFD3CFC-761F-2644-A71A-F1A41A0D2BAE}" type="datetimeFigureOut">
               <a:rPr lang="en-US" smtClean="0"/>
-              <a:t>3/20/15</a:t>
+              <a:t>3/23/15</a:t>
             </a:fld>
             <a:endParaRPr lang="en-US"/>
           </a:p>
@@ -2419,7 +2419,7 @@
           <a:p>
             <a:fld id="{7EFD3CFC-761F-2644-A71A-F1A41A0D2BAE}" type="datetimeFigureOut">
               <a:rPr lang="en-US" smtClean="0"/>
-              <a:t>3/20/15</a:t>
+              <a:t>3/23/15</a:t>
             </a:fld>
             <a:endParaRPr lang="en-US"/>
           </a:p>
@@ -2696,7 +2696,7 @@
           <a:p>
             <a:fld id="{7EFD3CFC-761F-2644-A71A-F1A41A0D2BAE}" type="datetimeFigureOut">
               <a:rPr lang="en-US" smtClean="0"/>
-              <a:t>3/20/15</a:t>
+              <a:t>3/23/15</a:t>
             </a:fld>
             <a:endParaRPr lang="en-US"/>
           </a:p>
@@ -2949,7 +2949,7 @@
           <a:p>
             <a:fld id="{7EFD3CFC-761F-2644-A71A-F1A41A0D2BAE}" type="datetimeFigureOut">
               <a:rPr lang="en-US" smtClean="0"/>
-              <a:t>3/20/15</a:t>
+              <a:t>3/23/15</a:t>
             </a:fld>
             <a:endParaRPr lang="en-US"/>
           </a:p>
@@ -3162,7 +3162,7 @@
           <a:p>
             <a:fld id="{7EFD3CFC-761F-2644-A71A-F1A41A0D2BAE}" type="datetimeFigureOut">
               <a:rPr lang="en-US" smtClean="0"/>
-              <a:t>3/20/15</a:t>
+              <a:t>3/23/15</a:t>
             </a:fld>
             <a:endParaRPr lang="en-US"/>
           </a:p>
@@ -4520,11 +4520,7 @@
             </a:r>
             <a:r>
               <a:rPr lang="en-US" dirty="0" smtClean="0"/>
-              <a:t>F</a:t>
-            </a:r>
-            <a:r>
-              <a:rPr lang="en-US" dirty="0" smtClean="0"/>
-              <a:t>ine-grained Validation</a:t>
+              <a:t>Fine-grained Validation</a:t>
             </a:r>
             <a:r>
               <a:rPr lang="en-US" altLang="zh-CN" dirty="0" smtClean="0"/>
@@ -4721,52 +4717,6 @@
               <a:rPr lang="en-US" dirty="0" smtClean="0"/>
               <a:t>IOTLBs</a:t>
             </a:r>
-          </a:p>
-        </p:txBody>
-      </p:sp>
-      <p:sp>
-        <p:nvSpPr>
-          <p:cNvPr id="34" name="Right Arrow 33"/>
-          <p:cNvSpPr/>
-          <p:nvPr/>
-        </p:nvSpPr>
-        <p:spPr>
-          <a:xfrm>
-            <a:off x="4949100" y="2295864"/>
-            <a:ext cx="1253836" cy="687485"/>
-          </a:xfrm>
-          <a:prstGeom prst="rightArrow">
-            <a:avLst/>
-          </a:prstGeom>
-          <a:solidFill>
-            <a:srgbClr val="FFFFFF"/>
-          </a:solidFill>
-          <a:ln>
-            <a:solidFill>
-              <a:schemeClr val="tx1"/>
-            </a:solidFill>
-          </a:ln>
-        </p:spPr>
-        <p:style>
-          <a:lnRef idx="1">
-            <a:schemeClr val="accent1"/>
-          </a:lnRef>
-          <a:fillRef idx="3">
-            <a:schemeClr val="accent1"/>
-          </a:fillRef>
-          <a:effectRef idx="2">
-            <a:schemeClr val="accent1"/>
-          </a:effectRef>
-          <a:fontRef idx="minor">
-            <a:schemeClr val="lt1"/>
-          </a:fontRef>
-        </p:style>
-        <p:txBody>
-          <a:bodyPr rtlCol="0" anchor="ctr"/>
-          <a:lstStyle/>
-          <a:p>
-            <a:pPr algn="ctr"/>
-            <a:endParaRPr lang="en-US"/>
           </a:p>
         </p:txBody>
       </p:sp>
@@ -5022,73 +4972,27 @@
             </a:p>
           </p:txBody>
         </p:sp>
-        <p:sp>
-          <p:nvSpPr>
-            <p:cNvPr id="54" name="Right Arrow 53"/>
-            <p:cNvSpPr/>
-            <p:nvPr/>
-          </p:nvSpPr>
-          <p:spPr>
-            <a:xfrm>
-              <a:off x="6510197" y="7913230"/>
-              <a:ext cx="786719" cy="656304"/>
-            </a:xfrm>
-            <a:prstGeom prst="rightArrow">
-              <a:avLst/>
-            </a:prstGeom>
-            <a:solidFill>
-              <a:srgbClr val="FFFFFF"/>
-            </a:solidFill>
-            <a:ln>
-              <a:solidFill>
-                <a:srgbClr val="000000"/>
-              </a:solidFill>
-            </a:ln>
-          </p:spPr>
-          <p:style>
-            <a:lnRef idx="1">
-              <a:schemeClr val="accent1"/>
-            </a:lnRef>
-            <a:fillRef idx="3">
-              <a:schemeClr val="accent1"/>
-            </a:fillRef>
-            <a:effectRef idx="2">
-              <a:schemeClr val="accent1"/>
-            </a:effectRef>
-            <a:fontRef idx="minor">
-              <a:schemeClr val="lt1"/>
-            </a:fontRef>
-          </p:style>
-          <p:txBody>
-            <a:bodyPr rtlCol="0" anchor="ctr"/>
-            <a:lstStyle/>
-            <a:p>
-              <a:pPr algn="ctr"/>
-              <a:endParaRPr lang="en-US"/>
-            </a:p>
-          </p:txBody>
-        </p:sp>
       </p:grpSp>
       <p:sp>
         <p:nvSpPr>
-          <p:cNvPr id="55" name="Right Arrow 54"/>
+          <p:cNvPr id="2" name="Left-Right Arrow 1"/>
           <p:cNvSpPr/>
           <p:nvPr/>
         </p:nvSpPr>
         <p:spPr>
           <a:xfrm>
-            <a:off x="9836901" y="1922141"/>
-            <a:ext cx="1310206" cy="721196"/>
-          </a:xfrm>
-          <a:prstGeom prst="rightArrow">
+            <a:off x="9589305" y="2304869"/>
+            <a:ext cx="1733724" cy="786061"/>
+          </a:xfrm>
+          <a:prstGeom prst="leftRightArrow">
             <a:avLst/>
           </a:prstGeom>
           <a:solidFill>
-            <a:srgbClr val="FFFFFF"/>
+            <a:schemeClr val="bg1"/>
           </a:solidFill>
           <a:ln>
             <a:solidFill>
-              <a:srgbClr val="000000"/>
+              <a:schemeClr val="tx1"/>
             </a:solidFill>
           </a:ln>
         </p:spPr>
@@ -5117,24 +5021,70 @@
       </p:sp>
       <p:sp>
         <p:nvSpPr>
-          <p:cNvPr id="58" name="Right Arrow 57"/>
+          <p:cNvPr id="43" name="Left-Right Arrow 42"/>
           <p:cNvSpPr/>
           <p:nvPr/>
         </p:nvSpPr>
         <p:spPr>
-          <a:xfrm rot="10800000">
-            <a:off x="9836901" y="2694812"/>
-            <a:ext cx="1310206" cy="721196"/>
-          </a:xfrm>
-          <a:prstGeom prst="rightArrow">
+          <a:xfrm>
+            <a:off x="4776473" y="2295864"/>
+            <a:ext cx="1603137" cy="786061"/>
+          </a:xfrm>
+          <a:prstGeom prst="leftRightArrow">
             <a:avLst/>
           </a:prstGeom>
           <a:solidFill>
-            <a:srgbClr val="FFFFFF"/>
+            <a:schemeClr val="bg1"/>
           </a:solidFill>
           <a:ln>
             <a:solidFill>
-              <a:srgbClr val="000000"/>
+              <a:schemeClr val="tx1"/>
+            </a:solidFill>
+          </a:ln>
+        </p:spPr>
+        <p:style>
+          <a:lnRef idx="1">
+            <a:schemeClr val="accent1"/>
+          </a:lnRef>
+          <a:fillRef idx="3">
+            <a:schemeClr val="accent1"/>
+          </a:fillRef>
+          <a:effectRef idx="2">
+            <a:schemeClr val="accent1"/>
+          </a:effectRef>
+          <a:fontRef idx="minor">
+            <a:schemeClr val="lt1"/>
+          </a:fontRef>
+        </p:style>
+        <p:txBody>
+          <a:bodyPr rtlCol="0" anchor="ctr"/>
+          <a:lstStyle/>
+          <a:p>
+            <a:pPr algn="ctr"/>
+            <a:endParaRPr lang="en-US"/>
+          </a:p>
+        </p:txBody>
+      </p:sp>
+      <p:sp>
+        <p:nvSpPr>
+          <p:cNvPr id="44" name="Left-Right Arrow 43"/>
+          <p:cNvSpPr/>
+          <p:nvPr/>
+        </p:nvSpPr>
+        <p:spPr>
+          <a:xfrm>
+            <a:off x="6436166" y="7847516"/>
+            <a:ext cx="917306" cy="514490"/>
+          </a:xfrm>
+          <a:prstGeom prst="leftRightArrow">
+            <a:avLst/>
+          </a:prstGeom>
+          <a:solidFill>
+            <a:schemeClr val="bg1"/>
+          </a:solidFill>
+          <a:ln>
+            <a:solidFill>
+              <a:schemeClr val="tx1"/>
             </a:solidFill>
           </a:ln>
         </p:spPr>
